--- a/5. CSS/Lectures/5. LESS.pptx
+++ b/5. CSS/Lectures/5. LESS.pptx
@@ -11,8 +11,8 @@
     <p:sldId id="260" r:id="rId5"/>
     <p:sldId id="261" r:id="rId6"/>
     <p:sldId id="262" r:id="rId7"/>
-    <p:sldId id="286" r:id="rId8"/>
-    <p:sldId id="263" r:id="rId9"/>
+    <p:sldId id="263" r:id="rId8"/>
+    <p:sldId id="286" r:id="rId9"/>
     <p:sldId id="264" r:id="rId10"/>
     <p:sldId id="287" r:id="rId11"/>
     <p:sldId id="266" r:id="rId12"/>
@@ -30,10 +30,9 @@
     <p:sldId id="274" r:id="rId24"/>
     <p:sldId id="278" r:id="rId25"/>
     <p:sldId id="275" r:id="rId26"/>
-    <p:sldId id="288" r:id="rId27"/>
-    <p:sldId id="280" r:id="rId28"/>
-    <p:sldId id="259" r:id="rId29"/>
-    <p:sldId id="279" r:id="rId30"/>
+    <p:sldId id="259" r:id="rId27"/>
+    <p:sldId id="291" r:id="rId28"/>
+    <p:sldId id="292" r:id="rId29"/>
   </p:sldIdLst>
   <p:sldSz cx="9144000" cy="6858000" type="screen4x3"/>
   <p:notesSz cx="6858000" cy="9144000"/>
@@ -5147,132 +5146,70 @@
           </a:p>
         </p:txBody>
       </p:sp>
-      <p:sp>
-        <p:nvSpPr>
-          <p:cNvPr id="6" name="Text Placeholder 5"/>
-          <p:cNvSpPr>
-            <a:spLocks noGrp="1"/>
-          </p:cNvSpPr>
-          <p:nvPr>
-            <p:ph type="body" sz="quarter" idx="10"/>
-          </p:nvPr>
-        </p:nvSpPr>
-        <p:spPr/>
-        <p:txBody>
-          <a:bodyPr/>
-          <a:lstStyle/>
-          <a:p>
-            <a:r>
-              <a:rPr lang="en-US" dirty="0" smtClean="0"/>
-              <a:t>Doncho Minkov</a:t>
-            </a:r>
-            <a:endParaRPr lang="en-US" dirty="0"/>
-          </a:p>
-        </p:txBody>
-      </p:sp>
-      <p:sp>
-        <p:nvSpPr>
-          <p:cNvPr id="7" name="Text Placeholder 6"/>
-          <p:cNvSpPr>
-            <a:spLocks noGrp="1"/>
-          </p:cNvSpPr>
-          <p:nvPr>
-            <p:ph type="body" sz="quarter" idx="11"/>
-          </p:nvPr>
-        </p:nvSpPr>
-        <p:spPr/>
-        <p:txBody>
-          <a:bodyPr/>
-          <a:lstStyle/>
-          <a:p>
-            <a:r>
-              <a:rPr lang="en-US" dirty="0" smtClean="0"/>
-              <a:t>Telerik Software Academy</a:t>
-            </a:r>
-            <a:endParaRPr lang="en-US" dirty="0"/>
-          </a:p>
-        </p:txBody>
-      </p:sp>
-      <p:sp>
-        <p:nvSpPr>
-          <p:cNvPr id="8" name="Text Placeholder 7"/>
-          <p:cNvSpPr>
-            <a:spLocks noGrp="1"/>
-          </p:cNvSpPr>
-          <p:nvPr>
-            <p:ph type="body" sz="quarter" idx="12"/>
-          </p:nvPr>
-        </p:nvSpPr>
-        <p:spPr/>
-        <p:txBody>
-          <a:bodyPr/>
-          <a:lstStyle/>
-          <a:p>
-            <a:r>
-              <a:rPr lang="en-US" dirty="0" smtClean="0">
-                <a:hlinkClick r:id="rId2"/>
-              </a:rPr>
-              <a:t>http://academy.telerik.com</a:t>
-            </a:r>
-            <a:r>
-              <a:rPr lang="en-US" dirty="0"/>
-              <a:t> </a:t>
-            </a:r>
-          </a:p>
-        </p:txBody>
-      </p:sp>
-      <p:sp>
-        <p:nvSpPr>
-          <p:cNvPr id="9" name="Text Placeholder 8"/>
-          <p:cNvSpPr>
-            <a:spLocks noGrp="1"/>
-          </p:cNvSpPr>
-          <p:nvPr>
-            <p:ph type="body" sz="quarter" idx="13"/>
-          </p:nvPr>
-        </p:nvSpPr>
-        <p:spPr/>
-        <p:txBody>
-          <a:bodyPr/>
-          <a:lstStyle/>
-          <a:p>
-            <a:r>
-              <a:rPr lang="en-US" dirty="0" smtClean="0"/>
-              <a:t>Technical Trainer</a:t>
-            </a:r>
-            <a:endParaRPr lang="en-US" dirty="0"/>
-          </a:p>
-        </p:txBody>
-      </p:sp>
-      <p:sp>
-        <p:nvSpPr>
-          <p:cNvPr id="10" name="Text Placeholder 9"/>
-          <p:cNvSpPr>
-            <a:spLocks noGrp="1"/>
-          </p:cNvSpPr>
-          <p:nvPr>
-            <p:ph type="body" sz="quarter" idx="14"/>
-          </p:nvPr>
-        </p:nvSpPr>
-        <p:spPr/>
-        <p:txBody>
-          <a:bodyPr/>
-          <a:lstStyle/>
-          <a:p>
-            <a:r>
-              <a:rPr lang="en-US" dirty="0" smtClean="0">
-                <a:hlinkClick r:id="rId3"/>
-              </a:rPr>
-              <a:t>http://minkov.it</a:t>
-            </a:r>
-            <a:r>
-              <a:rPr lang="en-US" dirty="0" smtClean="0"/>
-              <a:t> </a:t>
-            </a:r>
-            <a:endParaRPr lang="en-US" dirty="0"/>
-          </a:p>
-        </p:txBody>
-      </p:sp>
+      <p:pic>
+        <p:nvPicPr>
+          <p:cNvPr id="14" name="Picture 2"/>
+          <p:cNvPicPr>
+            <a:picLocks noChangeAspect="1" noChangeArrowheads="1"/>
+          </p:cNvPicPr>
+          <p:nvPr/>
+        </p:nvPicPr>
+        <p:blipFill>
+          <a:blip r:embed="rId2">
+            <a:extLst>
+              <a:ext uri="{28A0092B-C50C-407E-A947-70E740481C1C}">
+                <a14:useLocalDpi xmlns:a14="http://schemas.microsoft.com/office/drawing/2010/main" val="0"/>
+              </a:ext>
+            </a:extLst>
+          </a:blip>
+          <a:srcRect/>
+          <a:stretch>
+            <a:fillRect/>
+          </a:stretch>
+        </p:blipFill>
+        <p:spPr bwMode="auto">
+          <a:xfrm>
+            <a:off x="164304" y="5338343"/>
+            <a:ext cx="4090987" cy="1219200"/>
+          </a:xfrm>
+          <a:prstGeom prst="rect">
+            <a:avLst/>
+          </a:prstGeom>
+          <a:noFill/>
+          <a:ln>
+            <a:noFill/>
+          </a:ln>
+          <a:effectLst/>
+          <a:extLst>
+            <a:ext uri="{909E8E84-426E-40DD-AFC4-6F175D3DCCD1}">
+              <a14:hiddenFill xmlns:a14="http://schemas.microsoft.com/office/drawing/2010/main">
+                <a:solidFill>
+                  <a:schemeClr val="accent1"/>
+                </a:solidFill>
+              </a14:hiddenFill>
+            </a:ext>
+            <a:ext uri="{91240B29-F687-4F45-9708-019B960494DF}">
+              <a14:hiddenLine xmlns:a14="http://schemas.microsoft.com/office/drawing/2010/main" w="9525">
+                <a:solidFill>
+                  <a:schemeClr val="tx1"/>
+                </a:solidFill>
+                <a:miter lim="800000"/>
+                <a:headEnd/>
+                <a:tailEnd/>
+              </a14:hiddenLine>
+            </a:ext>
+            <a:ext uri="{AF507438-7753-43E0-B8FC-AC1667EBCBE1}">
+              <a14:hiddenEffects xmlns:a14="http://schemas.microsoft.com/office/drawing/2010/main">
+                <a:effectLst>
+                  <a:outerShdw dist="35921" dir="2700000" algn="ctr" rotWithShape="0">
+                    <a:schemeClr val="bg2"/>
+                  </a:outerShdw>
+                </a:effectLst>
+              </a14:hiddenEffects>
+            </a:ext>
+          </a:extLst>
+        </p:spPr>
+      </p:pic>
     </p:spTree>
     <p:extLst>
       <p:ext uri="{BB962C8B-B14F-4D97-AF65-F5344CB8AC3E}">
@@ -5313,14 +5250,30 @@
             <p:ph type="ctrTitle"/>
           </p:nvPr>
         </p:nvSpPr>
-        <p:spPr/>
+        <p:spPr>
+          <a:xfrm>
+            <a:off x="609600" y="2170060"/>
+            <a:ext cx="7924800" cy="1299420"/>
+          </a:xfrm>
+        </p:spPr>
         <p:txBody>
           <a:bodyPr/>
           <a:lstStyle/>
           <a:p>
             <a:r>
               <a:rPr lang="en-US" dirty="0" smtClean="0"/>
-              <a:t>Parsing LESS on the Server</a:t>
+              <a:t>Compiling LESS </a:t>
+            </a:r>
+            <a:br>
+              <a:rPr lang="en-US" dirty="0" smtClean="0"/>
+            </a:br>
+            <a:r>
+              <a:rPr lang="en-US" dirty="0" smtClean="0"/>
+              <a:t>on </a:t>
+            </a:r>
+            <a:r>
+              <a:rPr lang="en-US" dirty="0" smtClean="0"/>
+              <a:t>the Server</a:t>
             </a:r>
             <a:endParaRPr lang="en-US" dirty="0"/>
           </a:p>
@@ -5567,7 +5520,12 @@
             <p:ph idx="1"/>
           </p:nvPr>
         </p:nvSpPr>
-        <p:spPr/>
+        <p:spPr>
+          <a:xfrm>
+            <a:off x="228600" y="1127464"/>
+            <a:ext cx="8686800" cy="683581"/>
+          </a:xfrm>
+        </p:spPr>
         <p:txBody>
           <a:bodyPr/>
           <a:lstStyle/>
@@ -6863,23 +6821,20 @@
                   </a:outerShdw>
                 </a:effectLst>
               </a:rPr>
-              <a:t>Parses </a:t>
-            </a:r>
-            <a:r>
-              <a:rPr lang="en-US" sz="2400" b="1" dirty="0">
-                <a:solidFill>
-                  <a:srgbClr val="EBFFD2"/>
-                </a:solidFill>
-                <a:effectLst>
-                  <a:outerShdw blurRad="38100" dist="38100" dir="2700000" algn="tl">
-                    <a:srgbClr val="000000">
-                      <a:alpha val="43137"/>
-                    </a:srgbClr>
-                  </a:outerShdw>
-                </a:effectLst>
-              </a:rPr>
-              <a:t>to</a:t>
-            </a:r>
+              <a:t>Compiles to</a:t>
+            </a:r>
+            <a:endParaRPr lang="en-US" sz="2400" b="1" dirty="0">
+              <a:solidFill>
+                <a:srgbClr val="EBFFD2"/>
+              </a:solidFill>
+              <a:effectLst>
+                <a:outerShdw blurRad="38100" dist="38100" dir="2700000" algn="tl">
+                  <a:srgbClr val="000000">
+                    <a:alpha val="43137"/>
+                  </a:srgbClr>
+                </a:outerShdw>
+              </a:effectLst>
+            </a:endParaRPr>
           </a:p>
         </p:txBody>
       </p:sp>
@@ -8297,7 +8252,22 @@
             <a:pPr lvl="1"/>
             <a:r>
               <a:rPr lang="en-US" dirty="0" smtClean="0"/>
-              <a:t>Using the @ (at) symbol</a:t>
+              <a:t>Using the </a:t>
+            </a:r>
+            <a:r>
+              <a:rPr lang="en-US" dirty="0" smtClean="0">
+                <a:solidFill>
+                  <a:schemeClr val="accent5">
+                    <a:lumMod val="20000"/>
+                    <a:lumOff val="80000"/>
+                  </a:schemeClr>
+                </a:solidFill>
+              </a:rPr>
+              <a:t>@</a:t>
+            </a:r>
+            <a:r>
+              <a:rPr lang="en-US" dirty="0" smtClean="0"/>
+              <a:t> (at) symbol</a:t>
             </a:r>
           </a:p>
           <a:p>
@@ -8310,7 +8280,27 @@
           <a:p>
             <a:r>
               <a:rPr lang="en-US" dirty="0" smtClean="0"/>
-              <a:t>Usable to set default background-color, font-color, font-size, etc…</a:t>
+              <a:t>Usable to set </a:t>
+            </a:r>
+            <a:r>
+              <a:rPr lang="en-US" dirty="0" smtClean="0"/>
+              <a:t>default background color, font color</a:t>
+            </a:r>
+            <a:r>
+              <a:rPr lang="en-US" dirty="0" smtClean="0"/>
+              <a:t>, </a:t>
+            </a:r>
+            <a:r>
+              <a:rPr lang="en-US" dirty="0" smtClean="0"/>
+              <a:t>font size</a:t>
+            </a:r>
+            <a:r>
+              <a:rPr lang="en-US" dirty="0" smtClean="0"/>
+              <a:t>, </a:t>
+            </a:r>
+            <a:r>
+              <a:rPr lang="en-US" dirty="0" smtClean="0"/>
+              <a:t>border, etc…</a:t>
             </a:r>
             <a:endParaRPr lang="en-US" dirty="0"/>
           </a:p>
@@ -8324,7 +8314,7 @@
         </p:nvSpPr>
         <p:spPr>
           <a:xfrm>
-            <a:off x="256032" y="4078224"/>
+            <a:off x="256032" y="4051590"/>
             <a:ext cx="4279392" cy="2603956"/>
           </a:xfrm>
           <a:prstGeom prst="roundRect">
@@ -8801,7 +8791,7 @@
         </p:nvSpPr>
         <p:spPr>
           <a:xfrm>
-            <a:off x="4663440" y="4078223"/>
+            <a:off x="4663440" y="4051589"/>
             <a:ext cx="4279392" cy="2603957"/>
           </a:xfrm>
           <a:prstGeom prst="roundRect">
@@ -9184,18 +9174,32 @@
             <p:ph idx="1"/>
           </p:nvPr>
         </p:nvSpPr>
-        <p:spPr/>
+        <p:spPr>
+          <a:xfrm>
+            <a:off x="228600" y="878888"/>
+            <a:ext cx="8686800" cy="2254928"/>
+          </a:xfrm>
+        </p:spPr>
         <p:txBody>
           <a:bodyPr/>
           <a:lstStyle/>
           <a:p>
+            <a:pPr>
+              <a:lnSpc>
+                <a:spcPct val="100000"/>
+              </a:lnSpc>
+            </a:pPr>
             <a:r>
               <a:rPr lang="en-US" dirty="0" smtClean="0"/>
               <a:t>LESS variables can be inserted as CSS properties</a:t>
             </a:r>
           </a:p>
           <a:p>
-            <a:pPr lvl="1"/>
+            <a:pPr lvl="1">
+              <a:lnSpc>
+                <a:spcPct val="100000"/>
+              </a:lnSpc>
+            </a:pPr>
             <a:r>
               <a:rPr lang="en-US" dirty="0" smtClean="0"/>
               <a:t>Using </a:t>
@@ -9211,18 +9215,54 @@
                 <a:latin typeface="Consolas" panose="020B0609020204030204" pitchFamily="49" charset="0"/>
                 <a:cs typeface="Consolas" panose="020B0609020204030204" pitchFamily="49" charset="0"/>
               </a:rPr>
-              <a:t>@{…}</a:t>
-            </a:r>
-            <a:endParaRPr lang="en-US" dirty="0">
-              <a:solidFill>
-                <a:schemeClr val="accent5">
-                  <a:lumMod val="20000"/>
-                  <a:lumOff val="80000"/>
-                </a:schemeClr>
-              </a:solidFill>
-              <a:latin typeface="Consolas" panose="020B0609020204030204" pitchFamily="49" charset="0"/>
-              <a:cs typeface="Consolas" panose="020B0609020204030204" pitchFamily="49" charset="0"/>
-            </a:endParaRPr>
+              <a:t>@{</a:t>
+            </a:r>
+            <a:r>
+              <a:rPr lang="en-US" dirty="0" err="1" smtClean="0">
+                <a:solidFill>
+                  <a:schemeClr val="accent5">
+                    <a:lumMod val="20000"/>
+                    <a:lumOff val="80000"/>
+                  </a:schemeClr>
+                </a:solidFill>
+                <a:latin typeface="Consolas" panose="020B0609020204030204" pitchFamily="49" charset="0"/>
+                <a:cs typeface="Consolas" panose="020B0609020204030204" pitchFamily="49" charset="0"/>
+              </a:rPr>
+              <a:t>variable_name</a:t>
+            </a:r>
+            <a:r>
+              <a:rPr lang="en-US" dirty="0" smtClean="0">
+                <a:solidFill>
+                  <a:schemeClr val="accent5">
+                    <a:lumMod val="20000"/>
+                    <a:lumOff val="80000"/>
+                  </a:schemeClr>
+                </a:solidFill>
+                <a:latin typeface="Consolas" panose="020B0609020204030204" pitchFamily="49" charset="0"/>
+                <a:cs typeface="Consolas" panose="020B0609020204030204" pitchFamily="49" charset="0"/>
+              </a:rPr>
+              <a:t>}</a:t>
+            </a:r>
+          </a:p>
+          <a:p>
+            <a:pPr lvl="1">
+              <a:lnSpc>
+                <a:spcPct val="100000"/>
+              </a:lnSpc>
+            </a:pPr>
+            <a:r>
+              <a:rPr lang="en-US" dirty="0"/>
+              <a:t>Usable </a:t>
+            </a:r>
+            <a:r>
+              <a:rPr lang="en-US" dirty="0" smtClean="0"/>
+              <a:t>with </a:t>
+            </a:r>
+            <a:r>
+              <a:rPr lang="en-US" dirty="0" err="1" smtClean="0"/>
+              <a:t>mixins</a:t>
+            </a:r>
+            <a:endParaRPr lang="en-US" dirty="0"/>
           </a:p>
         </p:txBody>
       </p:sp>
@@ -9234,7 +9274,7 @@
         </p:nvSpPr>
         <p:spPr>
           <a:xfrm>
-            <a:off x="795528" y="2954274"/>
+            <a:off x="777773" y="3247236"/>
             <a:ext cx="7552944" cy="2415719"/>
           </a:xfrm>
           <a:prstGeom prst="roundRect">
@@ -9685,7 +9725,7 @@
         </p:nvSpPr>
         <p:spPr>
           <a:xfrm>
-            <a:off x="795528" y="5714068"/>
+            <a:off x="777773" y="6007030"/>
             <a:ext cx="7552944" cy="392162"/>
           </a:xfrm>
           <a:prstGeom prst="roundRect">
@@ -9923,8 +9963,8 @@
         </p:nvSpPr>
         <p:spPr>
           <a:xfrm>
-            <a:off x="228600" y="1014984"/>
-            <a:ext cx="8686800" cy="4809744"/>
+            <a:off x="228600" y="1432237"/>
+            <a:ext cx="8686800" cy="4054163"/>
           </a:xfrm>
         </p:spPr>
         <p:txBody>
@@ -9940,7 +9980,15 @@
             <a:pPr lvl="1"/>
             <a:r>
               <a:rPr lang="en-US" dirty="0" smtClean="0"/>
-              <a:t>For stuff with colors</a:t>
+              <a:t>For </a:t>
+            </a:r>
+            <a:r>
+              <a:rPr lang="en-US" dirty="0" smtClean="0"/>
+              <a:t>operations </a:t>
+            </a:r>
+            <a:r>
+              <a:rPr lang="en-US" dirty="0" smtClean="0"/>
+              <a:t>with colors</a:t>
             </a:r>
           </a:p>
           <a:p>
@@ -9960,36 +10008,35 @@
           </a:p>
           <a:p>
             <a:pPr lvl="1"/>
-            <a:endParaRPr lang="en-US" dirty="0"/>
-          </a:p>
-          <a:p>
-            <a:pPr lvl="1"/>
-            <a:r>
-              <a:rPr lang="en-US" dirty="0" smtClean="0"/>
-              <a:t>Find all the functions at </a:t>
+            <a:r>
+              <a:rPr lang="en-US" dirty="0" smtClean="0"/>
+              <a:t>Find </a:t>
+            </a:r>
+            <a:r>
+              <a:rPr lang="en-US" dirty="0" smtClean="0"/>
+              <a:t>all the functions </a:t>
+            </a:r>
+            <a:r>
+              <a:rPr lang="en-US" dirty="0"/>
+              <a:t>at </a:t>
+            </a:r>
+            <a:r>
+              <a:rPr lang="en-US" sz="2400" dirty="0">
+                <a:hlinkClick r:id="rId2"/>
+              </a:rPr>
+              <a:t>http://lesscss.org/functions</a:t>
             </a:r>
             <a:r>
               <a:rPr lang="en-US" sz="2400" dirty="0" smtClean="0">
                 <a:hlinkClick r:id="rId2"/>
               </a:rPr>
-              <a:t>http</a:t>
-            </a:r>
-            <a:r>
-              <a:rPr lang="en-US" sz="2400" dirty="0">
-                <a:hlinkClick r:id="rId2"/>
-              </a:rPr>
-              <a:t>://lesscss.org/#</a:t>
-            </a:r>
-            <a:r>
-              <a:rPr lang="en-US" sz="2400" dirty="0" smtClean="0">
-                <a:hlinkClick r:id="rId2"/>
-              </a:rPr>
-              <a:t>reference</a:t>
+              <a:t>/</a:t>
             </a:r>
             <a:r>
               <a:rPr lang="en-US" dirty="0" smtClean="0"/>
               <a:t> </a:t>
             </a:r>
+            <a:endParaRPr lang="en-US" dirty="0" smtClean="0"/>
           </a:p>
         </p:txBody>
       </p:sp>
@@ -10001,7 +10048,7 @@
         </p:nvSpPr>
         <p:spPr>
           <a:xfrm>
-            <a:off x="795528" y="3054858"/>
+            <a:off x="795528" y="3294557"/>
             <a:ext cx="7552944" cy="1286292"/>
           </a:xfrm>
           <a:prstGeom prst="roundRect">
@@ -10516,7 +10563,12 @@
             <p:ph idx="1"/>
           </p:nvPr>
         </p:nvSpPr>
-        <p:spPr/>
+        <p:spPr>
+          <a:xfrm>
+            <a:off x="228600" y="1065320"/>
+            <a:ext cx="8686800" cy="5113538"/>
+          </a:xfrm>
+        </p:spPr>
         <p:txBody>
           <a:bodyPr/>
           <a:lstStyle/>
@@ -10530,11 +10582,7 @@
             <a:pPr lvl="1"/>
             <a:r>
               <a:rPr lang="en-US" dirty="0" smtClean="0"/>
-              <a:t>The developer can make them for clear </a:t>
-            </a:r>
-            <a:r>
-              <a:rPr lang="en-US" dirty="0" smtClean="0"/>
-              <a:t>LESS</a:t>
+              <a:t>Used to extend abstraction and repeating code</a:t>
             </a:r>
             <a:endParaRPr lang="en-US" dirty="0" smtClean="0"/>
           </a:p>
@@ -10555,7 +10603,15 @@
             <a:pPr lvl="2"/>
             <a:r>
               <a:rPr lang="en-US" dirty="0" smtClean="0"/>
-              <a:t>Get a default styles every time</a:t>
+              <a:t>Get a </a:t>
+            </a:r>
+            <a:r>
+              <a:rPr lang="en-US" dirty="0" smtClean="0"/>
+              <a:t>the same styles </a:t>
+            </a:r>
+            <a:r>
+              <a:rPr lang="en-US" dirty="0" smtClean="0"/>
+              <a:t>every time</a:t>
             </a:r>
           </a:p>
           <a:p>
@@ -10576,19 +10632,12 @@
             <a:pPr lvl="2"/>
             <a:r>
               <a:rPr lang="en-US" dirty="0" smtClean="0"/>
-              <a:t>Gradient, borders, etc…</a:t>
-            </a:r>
-          </a:p>
-          <a:p>
-            <a:pPr lvl="3"/>
-            <a:endParaRPr lang="en-US" dirty="0" smtClean="0"/>
-          </a:p>
-          <a:p>
-            <a:pPr lvl="1"/>
-            <a:endParaRPr lang="en-US" dirty="0" smtClean="0"/>
-          </a:p>
-          <a:p>
-            <a:pPr lvl="1"/>
+              <a:t>Gradient, borders, etc</a:t>
+            </a:r>
+            <a:r>
+              <a:rPr lang="en-US" dirty="0" smtClean="0"/>
+              <a:t>…</a:t>
+            </a:r>
             <a:endParaRPr lang="en-US" dirty="0"/>
           </a:p>
         </p:txBody>
@@ -10603,6 +10652,13 @@
   <p:clrMapOvr>
     <a:masterClrMapping/>
   </p:clrMapOvr>
+  <p:timing>
+    <p:tnLst>
+      <p:par>
+        <p:cTn id="1" dur="indefinite" restart="never" nodeType="tmRoot"/>
+      </p:par>
+    </p:tnLst>
+  </p:timing>
 </p:sld>
 </file>
 
@@ -10658,27 +10714,36 @@
         </p:nvSpPr>
         <p:spPr>
           <a:xfrm>
-            <a:off x="237744" y="603504"/>
-            <a:ext cx="8686800" cy="5791200"/>
+            <a:off x="299888" y="567993"/>
+            <a:ext cx="8686800" cy="1757956"/>
           </a:xfrm>
         </p:spPr>
         <p:txBody>
           <a:bodyPr/>
           <a:lstStyle/>
           <a:p>
-            <a:r>
-              <a:rPr lang="en-US" dirty="0" smtClean="0"/>
+            <a:pPr>
+              <a:lnSpc>
+                <a:spcPct val="95000"/>
+              </a:lnSpc>
+            </a:pPr>
+            <a:r>
+              <a:rPr lang="en-US" sz="3000" dirty="0" smtClean="0"/>
               <a:t>How to define mixins?</a:t>
             </a:r>
           </a:p>
           <a:p>
-            <a:pPr lvl="1"/>
-            <a:r>
-              <a:rPr lang="en-US" dirty="0" smtClean="0"/>
+            <a:pPr lvl="1">
+              <a:lnSpc>
+                <a:spcPct val="95000"/>
+              </a:lnSpc>
+            </a:pPr>
+            <a:r>
+              <a:rPr lang="en-US" sz="2800" dirty="0" smtClean="0"/>
               <a:t>Use </a:t>
             </a:r>
             <a:r>
-              <a:rPr lang="en-US" dirty="0" smtClean="0">
+              <a:rPr lang="en-US" sz="2800" dirty="0" smtClean="0">
                 <a:solidFill>
                   <a:schemeClr val="accent5">
                     <a:lumMod val="20000"/>
@@ -10691,7 +10756,7 @@
               <a:t>.</a:t>
             </a:r>
             <a:r>
-              <a:rPr lang="en-US" dirty="0" err="1" smtClean="0">
+              <a:rPr lang="en-US" sz="2800" dirty="0" err="1" smtClean="0">
                 <a:solidFill>
                   <a:schemeClr val="accent5">
                     <a:lumMod val="20000"/>
@@ -10704,7 +10769,7 @@
               <a:t>mixin</a:t>
             </a:r>
             <a:r>
-              <a:rPr lang="en-US" dirty="0" smtClean="0">
+              <a:rPr lang="en-US" sz="2800" dirty="0" smtClean="0">
                 <a:solidFill>
                   <a:schemeClr val="accent5">
                     <a:lumMod val="20000"/>
@@ -10718,51 +10783,20 @@
             </a:r>
           </a:p>
           <a:p>
-            <a:pPr lvl="1"/>
-            <a:r>
-              <a:rPr lang="en-US" dirty="0" smtClean="0"/>
-              <a:t>Then the styles are normal LESS</a:t>
-            </a:r>
-          </a:p>
-          <a:p>
-            <a:pPr lvl="1"/>
-            <a:endParaRPr lang="en-US" dirty="0"/>
-          </a:p>
-          <a:p>
-            <a:pPr lvl="1"/>
-            <a:endParaRPr lang="en-US" dirty="0" smtClean="0"/>
-          </a:p>
-          <a:p>
             <a:pPr lvl="1">
-              <a:spcBef>
-                <a:spcPts val="3600"/>
-              </a:spcBef>
+              <a:lnSpc>
+                <a:spcPct val="95000"/>
+              </a:lnSpc>
             </a:pPr>
             <a:r>
-              <a:rPr lang="en-US" dirty="0" smtClean="0"/>
-              <a:t>How to use the mixin?</a:t>
-            </a:r>
-          </a:p>
-          <a:p>
-            <a:pPr lvl="2"/>
-            <a:r>
-              <a:rPr lang="en-US" dirty="0" smtClean="0"/>
-              <a:t>Place use </a:t>
-            </a:r>
-            <a:r>
-              <a:rPr lang="en-US" dirty="0" smtClean="0">
-                <a:solidFill>
-                  <a:schemeClr val="accent5">
-                    <a:lumMod val="20000"/>
-                    <a:lumOff val="80000"/>
-                  </a:schemeClr>
-                </a:solidFill>
-                <a:latin typeface="Consolas" panose="020B0609020204030204" pitchFamily="49" charset="0"/>
-                <a:cs typeface="Consolas" panose="020B0609020204030204" pitchFamily="49" charset="0"/>
-              </a:rPr>
-              <a:t>.mixin-name</a:t>
-            </a:r>
-            <a:endParaRPr lang="en-US" dirty="0">
+              <a:rPr lang="en-US" sz="2800" dirty="0" smtClean="0"/>
+              <a:t>Then the styles are normal </a:t>
+            </a:r>
+            <a:r>
+              <a:rPr lang="en-US" sz="2800" dirty="0" smtClean="0"/>
+              <a:t>LESS</a:t>
+            </a:r>
+            <a:endParaRPr lang="en-US" sz="2800" dirty="0">
               <a:solidFill>
                 <a:schemeClr val="accent5">
                   <a:lumMod val="20000"/>
@@ -10783,7 +10817,7 @@
         </p:nvSpPr>
         <p:spPr>
           <a:xfrm>
-            <a:off x="1243584" y="2496311"/>
+            <a:off x="1261340" y="2243583"/>
             <a:ext cx="6675120" cy="1662767"/>
           </a:xfrm>
           <a:prstGeom prst="roundRect">
@@ -11168,7 +11202,7 @@
         </p:nvSpPr>
         <p:spPr>
           <a:xfrm>
-            <a:off x="1243584" y="5445169"/>
+            <a:off x="1261340" y="5044125"/>
             <a:ext cx="6675120" cy="1035308"/>
           </a:xfrm>
           <a:prstGeom prst="roundRect">
@@ -11349,6 +11383,351 @@
           </a:p>
         </p:txBody>
       </p:sp>
+      <p:sp>
+        <p:nvSpPr>
+          <p:cNvPr id="6" name="Content Placeholder 2"/>
+          <p:cNvSpPr txBox="1">
+            <a:spLocks/>
+          </p:cNvSpPr>
+          <p:nvPr/>
+        </p:nvSpPr>
+        <p:spPr>
+          <a:xfrm>
+            <a:off x="299888" y="3932984"/>
+            <a:ext cx="8686800" cy="1111141"/>
+          </a:xfrm>
+          <a:prstGeom prst="rect">
+            <a:avLst/>
+          </a:prstGeom>
+        </p:spPr>
+        <p:txBody>
+          <a:bodyPr/>
+          <a:lstStyle>
+            <a:lvl1pPr marL="282575" indent="-282575" algn="l" rtl="0" eaLnBrk="1" fontAlgn="base" hangingPunct="1">
+              <a:lnSpc>
+                <a:spcPct val="105000"/>
+              </a:lnSpc>
+              <a:spcBef>
+                <a:spcPts val="600"/>
+              </a:spcBef>
+              <a:spcAft>
+                <a:spcPts val="600"/>
+              </a:spcAft>
+              <a:buClr>
+                <a:schemeClr val="accent5">
+                  <a:lumMod val="40000"/>
+                  <a:lumOff val="60000"/>
+                </a:schemeClr>
+              </a:buClr>
+              <a:buSzPct val="70000"/>
+              <a:buFont typeface="Wingdings 2" pitchFamily="18" charset="2"/>
+              <a:buChar char=""/>
+              <a:tabLst>
+                <a:tab pos="282575" algn="l"/>
+              </a:tabLst>
+              <a:defRPr sz="3200" b="1" kern="1200">
+                <a:solidFill>
+                  <a:srgbClr val="EBFFD2"/>
+                </a:solidFill>
+                <a:effectLst>
+                  <a:outerShdw blurRad="38100" dist="38100" dir="2700000" algn="tl">
+                    <a:srgbClr val="000000">
+                      <a:alpha val="43137"/>
+                    </a:srgbClr>
+                  </a:outerShdw>
+                </a:effectLst>
+                <a:latin typeface="+mn-lt"/>
+                <a:ea typeface="+mn-ea"/>
+                <a:cs typeface="+mn-cs"/>
+              </a:defRPr>
+            </a:lvl1pPr>
+            <a:lvl2pPr marL="630238" indent="-273050" algn="l" rtl="0" eaLnBrk="1" fontAlgn="base" hangingPunct="1">
+              <a:lnSpc>
+                <a:spcPct val="105000"/>
+              </a:lnSpc>
+              <a:spcBef>
+                <a:spcPts val="600"/>
+              </a:spcBef>
+              <a:spcAft>
+                <a:spcPts val="600"/>
+              </a:spcAft>
+              <a:buClr>
+                <a:srgbClr val="8FD600"/>
+              </a:buClr>
+              <a:buFont typeface="Wingdings 2" pitchFamily="18" charset="2"/>
+              <a:buChar char=""/>
+              <a:defRPr sz="3000" b="1" kern="1200">
+                <a:solidFill>
+                  <a:schemeClr val="tx1">
+                    <a:lumMod val="40000"/>
+                    <a:lumOff val="60000"/>
+                  </a:schemeClr>
+                </a:solidFill>
+                <a:effectLst>
+                  <a:outerShdw blurRad="38100" dist="38100" dir="2700000" algn="tl">
+                    <a:srgbClr val="000000">
+                      <a:alpha val="43137"/>
+                    </a:srgbClr>
+                  </a:outerShdw>
+                </a:effectLst>
+                <a:latin typeface="+mn-lt"/>
+                <a:ea typeface="+mn-ea"/>
+                <a:cs typeface="+mn-cs"/>
+              </a:defRPr>
+            </a:lvl2pPr>
+            <a:lvl3pPr marL="922338" indent="-273050" algn="l" rtl="0" eaLnBrk="1" fontAlgn="base" hangingPunct="1">
+              <a:lnSpc>
+                <a:spcPct val="105000"/>
+              </a:lnSpc>
+              <a:spcBef>
+                <a:spcPts val="600"/>
+              </a:spcBef>
+              <a:spcAft>
+                <a:spcPts val="600"/>
+              </a:spcAft>
+              <a:buClr>
+                <a:srgbClr val="FFAD9F"/>
+              </a:buClr>
+              <a:buFont typeface="Wingdings 2" pitchFamily="18" charset="2"/>
+              <a:buChar char=""/>
+              <a:defRPr sz="2800" b="1" kern="1200">
+                <a:solidFill>
+                  <a:srgbClr val="F5FFC2"/>
+                </a:solidFill>
+                <a:effectLst>
+                  <a:outerShdw blurRad="38100" dist="38100" dir="2700000" algn="tl">
+                    <a:srgbClr val="000000">
+                      <a:alpha val="43137"/>
+                    </a:srgbClr>
+                  </a:outerShdw>
+                </a:effectLst>
+                <a:latin typeface="+mn-lt"/>
+                <a:ea typeface="+mn-ea"/>
+                <a:cs typeface="+mn-cs"/>
+              </a:defRPr>
+            </a:lvl3pPr>
+            <a:lvl4pPr marL="1187450" indent="-228600" algn="l" rtl="0" eaLnBrk="1" fontAlgn="base" hangingPunct="1">
+              <a:lnSpc>
+                <a:spcPct val="105000"/>
+              </a:lnSpc>
+              <a:spcBef>
+                <a:spcPts val="600"/>
+              </a:spcBef>
+              <a:spcAft>
+                <a:spcPts val="600"/>
+              </a:spcAft>
+              <a:buClr>
+                <a:srgbClr val="FACF82"/>
+              </a:buClr>
+              <a:buFont typeface="Wingdings 2" pitchFamily="18" charset="2"/>
+              <a:buChar char=""/>
+              <a:defRPr sz="2600" b="1" kern="1200">
+                <a:solidFill>
+                  <a:schemeClr val="tx1">
+                    <a:lumMod val="40000"/>
+                    <a:lumOff val="60000"/>
+                  </a:schemeClr>
+                </a:solidFill>
+                <a:effectLst>
+                  <a:outerShdw blurRad="38100" dist="38100" dir="2700000" algn="tl">
+                    <a:srgbClr val="000000">
+                      <a:alpha val="43137"/>
+                    </a:srgbClr>
+                  </a:outerShdw>
+                </a:effectLst>
+                <a:latin typeface="+mn-lt"/>
+                <a:ea typeface="+mn-ea"/>
+                <a:cs typeface="+mn-cs"/>
+              </a:defRPr>
+            </a:lvl4pPr>
+            <a:lvl5pPr marL="1425575" indent="-228600" algn="l" rtl="0" eaLnBrk="1" fontAlgn="base" hangingPunct="1">
+              <a:lnSpc>
+                <a:spcPct val="105000"/>
+              </a:lnSpc>
+              <a:spcBef>
+                <a:spcPts val="600"/>
+              </a:spcBef>
+              <a:spcAft>
+                <a:spcPts val="600"/>
+              </a:spcAft>
+              <a:buClr>
+                <a:srgbClr val="46A6BD"/>
+              </a:buClr>
+              <a:buFont typeface="Wingdings 2" pitchFamily="18" charset="2"/>
+              <a:buChar char=""/>
+              <a:defRPr sz="2400" b="1" kern="1200">
+                <a:solidFill>
+                  <a:schemeClr val="tx1">
+                    <a:lumMod val="40000"/>
+                    <a:lumOff val="60000"/>
+                  </a:schemeClr>
+                </a:solidFill>
+                <a:effectLst>
+                  <a:outerShdw blurRad="38100" dist="38100" dir="2700000" algn="tl">
+                    <a:srgbClr val="000000">
+                      <a:alpha val="43137"/>
+                    </a:srgbClr>
+                  </a:outerShdw>
+                </a:effectLst>
+                <a:latin typeface="+mn-lt"/>
+                <a:ea typeface="+mn-ea"/>
+                <a:cs typeface="+mn-cs"/>
+              </a:defRPr>
+            </a:lvl5pPr>
+            <a:lvl6pPr marL="1673352" indent="-228600" algn="l" rtl="0" eaLnBrk="1" latinLnBrk="0" hangingPunct="1">
+              <a:spcBef>
+                <a:spcPct val="20000"/>
+              </a:spcBef>
+              <a:buClr>
+                <a:schemeClr val="accent6"/>
+              </a:buClr>
+              <a:buFont typeface="Wingdings 2"/>
+              <a:buChar char=""/>
+              <a:defRPr sz="1800" kern="1200">
+                <a:solidFill>
+                  <a:schemeClr val="tx1"/>
+                </a:solidFill>
+                <a:latin typeface="+mn-lt"/>
+                <a:ea typeface="+mn-ea"/>
+                <a:cs typeface="+mn-cs"/>
+              </a:defRPr>
+            </a:lvl6pPr>
+            <a:lvl7pPr marL="1911096" indent="-228600" algn="l" rtl="0" eaLnBrk="1" latinLnBrk="0" hangingPunct="1">
+              <a:spcBef>
+                <a:spcPct val="20000"/>
+              </a:spcBef>
+              <a:buClr>
+                <a:schemeClr val="tx2"/>
+              </a:buClr>
+              <a:buFont typeface="Wingdings 2"/>
+              <a:buChar char=""/>
+              <a:defRPr sz="1600" kern="1200">
+                <a:solidFill>
+                  <a:schemeClr val="tx1"/>
+                </a:solidFill>
+                <a:latin typeface="+mn-lt"/>
+                <a:ea typeface="+mn-ea"/>
+                <a:cs typeface="+mn-cs"/>
+              </a:defRPr>
+            </a:lvl7pPr>
+            <a:lvl8pPr marL="2121408" indent="-182880" algn="l" rtl="0" eaLnBrk="1" latinLnBrk="0" hangingPunct="1">
+              <a:spcBef>
+                <a:spcPct val="20000"/>
+              </a:spcBef>
+              <a:buClr>
+                <a:schemeClr val="tx2"/>
+              </a:buClr>
+              <a:buFont typeface="Wingdings 2"/>
+              <a:buChar char=""/>
+              <a:defRPr sz="1400" kern="1200">
+                <a:solidFill>
+                  <a:schemeClr val="tx1"/>
+                </a:solidFill>
+                <a:latin typeface="+mn-lt"/>
+                <a:ea typeface="+mn-ea"/>
+                <a:cs typeface="+mn-cs"/>
+              </a:defRPr>
+            </a:lvl8pPr>
+            <a:lvl9pPr marL="2322576" indent="-182880" algn="l" rtl="0" eaLnBrk="1" latinLnBrk="0" hangingPunct="1">
+              <a:spcBef>
+                <a:spcPct val="20000"/>
+              </a:spcBef>
+              <a:buClr>
+                <a:schemeClr val="tx2"/>
+              </a:buClr>
+              <a:buFont typeface="Wingdings 2"/>
+              <a:buChar char=""/>
+              <a:defRPr sz="1400" kern="1200">
+                <a:solidFill>
+                  <a:schemeClr val="tx1"/>
+                </a:solidFill>
+                <a:latin typeface="+mn-lt"/>
+                <a:ea typeface="+mn-ea"/>
+                <a:cs typeface="+mn-cs"/>
+              </a:defRPr>
+            </a:lvl9pPr>
+          </a:lstStyle>
+          <a:p>
+            <a:pPr lvl="1">
+              <a:lnSpc>
+                <a:spcPct val="95000"/>
+              </a:lnSpc>
+            </a:pPr>
+            <a:r>
+              <a:rPr lang="en-US" sz="2800" dirty="0" smtClean="0"/>
+              <a:t>How to use the </a:t>
+            </a:r>
+            <a:r>
+              <a:rPr lang="en-US" sz="2800" dirty="0" err="1" smtClean="0"/>
+              <a:t>mixin</a:t>
+            </a:r>
+            <a:r>
+              <a:rPr lang="en-US" sz="2800" dirty="0" smtClean="0"/>
+              <a:t>?</a:t>
+            </a:r>
+          </a:p>
+          <a:p>
+            <a:pPr lvl="2">
+              <a:lnSpc>
+                <a:spcPct val="95000"/>
+              </a:lnSpc>
+            </a:pPr>
+            <a:r>
+              <a:rPr lang="en-US" sz="2600" dirty="0" smtClean="0"/>
+              <a:t>Place use </a:t>
+            </a:r>
+            <a:r>
+              <a:rPr lang="en-US" sz="2600" dirty="0" smtClean="0">
+                <a:solidFill>
+                  <a:schemeClr val="accent5">
+                    <a:lumMod val="20000"/>
+                    <a:lumOff val="80000"/>
+                  </a:schemeClr>
+                </a:solidFill>
+                <a:latin typeface="Consolas" panose="020B0609020204030204" pitchFamily="49" charset="0"/>
+                <a:cs typeface="Consolas" panose="020B0609020204030204" pitchFamily="49" charset="0"/>
+              </a:rPr>
+              <a:t>.</a:t>
+            </a:r>
+            <a:r>
+              <a:rPr lang="en-US" sz="2600" dirty="0" err="1" smtClean="0">
+                <a:solidFill>
+                  <a:schemeClr val="accent5">
+                    <a:lumMod val="20000"/>
+                    <a:lumOff val="80000"/>
+                  </a:schemeClr>
+                </a:solidFill>
+                <a:latin typeface="Consolas" panose="020B0609020204030204" pitchFamily="49" charset="0"/>
+                <a:cs typeface="Consolas" panose="020B0609020204030204" pitchFamily="49" charset="0"/>
+              </a:rPr>
+              <a:t>mixin</a:t>
+            </a:r>
+            <a:r>
+              <a:rPr lang="en-US" sz="2600" dirty="0" smtClean="0">
+                <a:solidFill>
+                  <a:schemeClr val="accent5">
+                    <a:lumMod val="20000"/>
+                    <a:lumOff val="80000"/>
+                  </a:schemeClr>
+                </a:solidFill>
+                <a:latin typeface="Consolas" panose="020B0609020204030204" pitchFamily="49" charset="0"/>
+                <a:cs typeface="Consolas" panose="020B0609020204030204" pitchFamily="49" charset="0"/>
+              </a:rPr>
+              <a:t>-name</a:t>
+            </a:r>
+            <a:endParaRPr lang="en-US" sz="2600" dirty="0">
+              <a:solidFill>
+                <a:schemeClr val="accent5">
+                  <a:lumMod val="20000"/>
+                  <a:lumOff val="80000"/>
+                </a:schemeClr>
+              </a:solidFill>
+              <a:latin typeface="Consolas" panose="020B0609020204030204" pitchFamily="49" charset="0"/>
+              <a:cs typeface="Consolas" panose="020B0609020204030204" pitchFamily="49" charset="0"/>
+            </a:endParaRPr>
+          </a:p>
+        </p:txBody>
+      </p:sp>
     </p:spTree>
     <p:extLst>
       <p:ext uri="{BB962C8B-B14F-4D97-AF65-F5344CB8AC3E}">
@@ -11359,6 +11738,13 @@
   <p:clrMapOvr>
     <a:masterClrMapping/>
   </p:clrMapOvr>
+  <p:timing>
+    <p:tnLst>
+      <p:par>
+        <p:cTn id="1" dur="indefinite" restart="never" nodeType="tmRoot"/>
+      </p:par>
+    </p:tnLst>
+  </p:timing>
 </p:sld>
 </file>
 
@@ -11435,6 +11821,13 @@
   <p:clrMapOvr>
     <a:masterClrMapping/>
   </p:clrMapOvr>
+  <p:timing>
+    <p:tnLst>
+      <p:par>
+        <p:cTn id="1" dur="indefinite" restart="never" nodeType="tmRoot"/>
+      </p:par>
+    </p:tnLst>
+  </p:timing>
 </p:sld>
 </file>
 
@@ -11507,7 +11900,15 @@
           <a:p>
             <a:r>
               <a:rPr lang="en-US" dirty="0" smtClean="0"/>
-              <a:t>Use the arguments like a C# method</a:t>
+              <a:t>Use the arguments like a C</a:t>
+            </a:r>
+            <a:r>
+              <a:rPr lang="en-US" dirty="0" smtClean="0"/>
+              <a:t>#/JS </a:t>
+            </a:r>
+            <a:r>
+              <a:rPr lang="en-US" dirty="0" smtClean="0"/>
+              <a:t>method</a:t>
             </a:r>
           </a:p>
         </p:txBody>
@@ -12155,6 +12556,13 @@
   <p:clrMapOvr>
     <a:masterClrMapping/>
   </p:clrMapOvr>
+  <p:timing>
+    <p:tnLst>
+      <p:par>
+        <p:cTn id="1" dur="indefinite" restart="never" nodeType="tmRoot"/>
+      </p:par>
+    </p:tnLst>
+  </p:timing>
 </p:sld>
 </file>
 
@@ -12231,6 +12639,13 @@
   <p:clrMapOvr>
     <a:masterClrMapping/>
   </p:clrMapOvr>
+  <p:timing>
+    <p:tnLst>
+      <p:par>
+        <p:cTn id="1" dur="indefinite" restart="never" nodeType="tmRoot"/>
+      </p:par>
+    </p:tnLst>
+  </p:timing>
 </p:sld>
 </file>
 
@@ -12267,769 +12682,6 @@
           <a:lstStyle/>
           <a:p>
             <a:r>
-              <a:rPr lang="en-US" dirty="0"/>
-              <a:t>Pattern-matching Mixins</a:t>
-            </a:r>
-          </a:p>
-        </p:txBody>
-      </p:sp>
-      <p:sp>
-        <p:nvSpPr>
-          <p:cNvPr id="5" name="Content Placeholder 4"/>
-          <p:cNvSpPr>
-            <a:spLocks noGrp="1"/>
-          </p:cNvSpPr>
-          <p:nvPr>
-            <p:ph idx="1"/>
-          </p:nvPr>
-        </p:nvSpPr>
-        <p:spPr/>
-        <p:txBody>
-          <a:bodyPr/>
-          <a:lstStyle/>
-          <a:p>
-            <a:r>
-              <a:rPr lang="en-US" dirty="0" smtClean="0"/>
-              <a:t>Mixins can define different behavior, depending on its parameters</a:t>
-            </a:r>
-          </a:p>
-          <a:p>
-            <a:endParaRPr lang="en-US" dirty="0"/>
-          </a:p>
-        </p:txBody>
-      </p:sp>
-      <p:sp>
-        <p:nvSpPr>
-          <p:cNvPr id="6" name="Rounded Rectangle 5"/>
-          <p:cNvSpPr/>
-          <p:nvPr/>
-        </p:nvSpPr>
-        <p:spPr>
-          <a:xfrm>
-            <a:off x="523875" y="2172461"/>
-            <a:ext cx="8096250" cy="2917686"/>
-          </a:xfrm>
-          <a:prstGeom prst="roundRect">
-            <a:avLst>
-              <a:gd name="adj" fmla="val 3824"/>
-            </a:avLst>
-          </a:prstGeom>
-          <a:solidFill>
-            <a:schemeClr val="accent5">
-              <a:lumMod val="40000"/>
-              <a:lumOff val="60000"/>
-              <a:alpha val="15000"/>
-            </a:schemeClr>
-          </a:solidFill>
-          <a:ln w="12700">
-            <a:solidFill>
-              <a:schemeClr val="accent5">
-                <a:lumMod val="60000"/>
-                <a:lumOff val="40000"/>
-              </a:schemeClr>
-            </a:solidFill>
-          </a:ln>
-        </p:spPr>
-        <p:txBody>
-          <a:bodyPr wrap="square">
-            <a:spAutoFit/>
-          </a:bodyPr>
-          <a:lstStyle/>
-          <a:p>
-            <a:pPr fontAlgn="base">
-              <a:spcAft>
-                <a:spcPct val="0"/>
-              </a:spcAft>
-              <a:buClr>
-                <a:schemeClr val="accent5">
-                  <a:lumMod val="40000"/>
-                  <a:lumOff val="60000"/>
-                </a:schemeClr>
-              </a:buClr>
-              <a:buSzPct val="70000"/>
-              <a:buFont typeface="Wingdings 2" pitchFamily="18" charset="2"/>
-              <a:buNone/>
-            </a:pPr>
-            <a:r>
-              <a:rPr lang="en-US" b="1" dirty="0" smtClean="0">
-                <a:solidFill>
-                  <a:srgbClr val="8CF4F2"/>
-                </a:solidFill>
-                <a:effectLst>
-                  <a:outerShdw blurRad="38100" dist="38100" dir="2700000" algn="tl">
-                    <a:srgbClr val="000000">
-                      <a:alpha val="43137"/>
-                    </a:srgbClr>
-                  </a:outerShdw>
-                </a:effectLst>
-                <a:latin typeface="Consolas" pitchFamily="49" charset="0"/>
-                <a:cs typeface="Consolas" pitchFamily="49" charset="0"/>
-              </a:rPr>
-              <a:t>.color(</a:t>
-            </a:r>
-            <a:r>
-              <a:rPr lang="en-US" b="1" dirty="0" err="1">
-                <a:solidFill>
-                  <a:schemeClr val="tx1">
-                    <a:lumMod val="20000"/>
-                    <a:lumOff val="80000"/>
-                  </a:schemeClr>
-                </a:solidFill>
-                <a:effectLst>
-                  <a:outerShdw blurRad="38100" dist="38100" dir="2700000" algn="tl">
-                    <a:srgbClr val="000000">
-                      <a:alpha val="43137"/>
-                    </a:srgbClr>
-                  </a:outerShdw>
-                </a:effectLst>
-                <a:latin typeface="Consolas" pitchFamily="49" charset="0"/>
-                <a:cs typeface="Consolas" pitchFamily="49" charset="0"/>
-              </a:rPr>
-              <a:t>dark</a:t>
-            </a:r>
-            <a:r>
-              <a:rPr lang="en-US" b="1" dirty="0" err="1" smtClean="0">
-                <a:solidFill>
-                  <a:srgbClr val="8CF4F2"/>
-                </a:solidFill>
-                <a:effectLst>
-                  <a:outerShdw blurRad="38100" dist="38100" dir="2700000" algn="tl">
-                    <a:srgbClr val="000000">
-                      <a:alpha val="43137"/>
-                    </a:srgbClr>
-                  </a:outerShdw>
-                </a:effectLst>
-                <a:latin typeface="Consolas" pitchFamily="49" charset="0"/>
-                <a:cs typeface="Consolas" pitchFamily="49" charset="0"/>
-              </a:rPr>
-              <a:t>,@color</a:t>
-            </a:r>
-            <a:r>
-              <a:rPr lang="en-US" b="1" dirty="0" smtClean="0">
-                <a:solidFill>
-                  <a:srgbClr val="8CF4F2"/>
-                </a:solidFill>
-                <a:effectLst>
-                  <a:outerShdw blurRad="38100" dist="38100" dir="2700000" algn="tl">
-                    <a:srgbClr val="000000">
-                      <a:alpha val="43137"/>
-                    </a:srgbClr>
-                  </a:outerShdw>
-                </a:effectLst>
-                <a:latin typeface="Consolas" pitchFamily="49" charset="0"/>
-                <a:cs typeface="Consolas" pitchFamily="49" charset="0"/>
-              </a:rPr>
-              <a:t>){</a:t>
-            </a:r>
-          </a:p>
-          <a:p>
-            <a:pPr fontAlgn="base">
-              <a:spcAft>
-                <a:spcPct val="0"/>
-              </a:spcAft>
-              <a:buClr>
-                <a:schemeClr val="accent5">
-                  <a:lumMod val="40000"/>
-                  <a:lumOff val="60000"/>
-                </a:schemeClr>
-              </a:buClr>
-              <a:buSzPct val="70000"/>
-              <a:buFont typeface="Wingdings 2" pitchFamily="18" charset="2"/>
-              <a:buNone/>
-            </a:pPr>
-            <a:r>
-              <a:rPr lang="en-US" b="1" dirty="0" smtClean="0">
-                <a:solidFill>
-                  <a:srgbClr val="8CF4F2"/>
-                </a:solidFill>
-                <a:effectLst>
-                  <a:outerShdw blurRad="38100" dist="38100" dir="2700000" algn="tl">
-                    <a:srgbClr val="000000">
-                      <a:alpha val="43137"/>
-                    </a:srgbClr>
-                  </a:outerShdw>
-                </a:effectLst>
-                <a:latin typeface="Consolas" pitchFamily="49" charset="0"/>
-                <a:cs typeface="Consolas" pitchFamily="49" charset="0"/>
-              </a:rPr>
-              <a:t>  color:@darken(@color);</a:t>
-            </a:r>
-          </a:p>
-          <a:p>
-            <a:pPr fontAlgn="base">
-              <a:spcAft>
-                <a:spcPct val="0"/>
-              </a:spcAft>
-              <a:buClr>
-                <a:schemeClr val="accent5">
-                  <a:lumMod val="40000"/>
-                  <a:lumOff val="60000"/>
-                </a:schemeClr>
-              </a:buClr>
-              <a:buSzPct val="70000"/>
-              <a:buFont typeface="Wingdings 2" pitchFamily="18" charset="2"/>
-              <a:buNone/>
-            </a:pPr>
-            <a:r>
-              <a:rPr lang="en-US" b="1" dirty="0" smtClean="0">
-                <a:solidFill>
-                  <a:srgbClr val="8CF4F2"/>
-                </a:solidFill>
-                <a:effectLst>
-                  <a:outerShdw blurRad="38100" dist="38100" dir="2700000" algn="tl">
-                    <a:srgbClr val="000000">
-                      <a:alpha val="43137"/>
-                    </a:srgbClr>
-                  </a:outerShdw>
-                </a:effectLst>
-                <a:latin typeface="Consolas" pitchFamily="49" charset="0"/>
-                <a:cs typeface="Consolas" pitchFamily="49" charset="0"/>
-              </a:rPr>
-              <a:t>}</a:t>
-            </a:r>
-          </a:p>
-          <a:p>
-            <a:pPr fontAlgn="base">
-              <a:spcAft>
-                <a:spcPct val="0"/>
-              </a:spcAft>
-              <a:buClr>
-                <a:schemeClr val="accent5">
-                  <a:lumMod val="40000"/>
-                  <a:lumOff val="60000"/>
-                </a:schemeClr>
-              </a:buClr>
-              <a:buSzPct val="70000"/>
-              <a:buFont typeface="Wingdings 2" pitchFamily="18" charset="2"/>
-              <a:buNone/>
-            </a:pPr>
-            <a:r>
-              <a:rPr lang="en-US" b="1" dirty="0">
-                <a:solidFill>
-                  <a:srgbClr val="8CF4F2"/>
-                </a:solidFill>
-                <a:effectLst>
-                  <a:outerShdw blurRad="38100" dist="38100" dir="2700000" algn="tl">
-                    <a:srgbClr val="000000">
-                      <a:alpha val="43137"/>
-                    </a:srgbClr>
-                  </a:outerShdw>
-                </a:effectLst>
-                <a:latin typeface="Consolas" pitchFamily="49" charset="0"/>
-                <a:cs typeface="Consolas" pitchFamily="49" charset="0"/>
-              </a:rPr>
-              <a:t>.</a:t>
-            </a:r>
-            <a:r>
-              <a:rPr lang="en-US" b="1" dirty="0" smtClean="0">
-                <a:solidFill>
-                  <a:srgbClr val="8CF4F2"/>
-                </a:solidFill>
-                <a:effectLst>
-                  <a:outerShdw blurRad="38100" dist="38100" dir="2700000" algn="tl">
-                    <a:srgbClr val="000000">
-                      <a:alpha val="43137"/>
-                    </a:srgbClr>
-                  </a:outerShdw>
-                </a:effectLst>
-                <a:latin typeface="Consolas" pitchFamily="49" charset="0"/>
-                <a:cs typeface="Consolas" pitchFamily="49" charset="0"/>
-              </a:rPr>
-              <a:t>color(</a:t>
-            </a:r>
-            <a:r>
-              <a:rPr lang="en-US" b="1" dirty="0" err="1" smtClean="0">
-                <a:solidFill>
-                  <a:schemeClr val="tx1">
-                    <a:lumMod val="20000"/>
-                    <a:lumOff val="80000"/>
-                  </a:schemeClr>
-                </a:solidFill>
-                <a:effectLst>
-                  <a:outerShdw blurRad="38100" dist="38100" dir="2700000" algn="tl">
-                    <a:srgbClr val="000000">
-                      <a:alpha val="43137"/>
-                    </a:srgbClr>
-                  </a:outerShdw>
-                </a:effectLst>
-                <a:latin typeface="Consolas" pitchFamily="49" charset="0"/>
-                <a:cs typeface="Consolas" pitchFamily="49" charset="0"/>
-              </a:rPr>
-              <a:t>light</a:t>
-            </a:r>
-            <a:r>
-              <a:rPr lang="en-US" b="1" dirty="0" err="1" smtClean="0">
-                <a:solidFill>
-                  <a:srgbClr val="8CF4F2"/>
-                </a:solidFill>
-                <a:effectLst>
-                  <a:outerShdw blurRad="38100" dist="38100" dir="2700000" algn="tl">
-                    <a:srgbClr val="000000">
-                      <a:alpha val="43137"/>
-                    </a:srgbClr>
-                  </a:outerShdw>
-                </a:effectLst>
-                <a:latin typeface="Consolas" pitchFamily="49" charset="0"/>
-                <a:cs typeface="Consolas" pitchFamily="49" charset="0"/>
-              </a:rPr>
-              <a:t>,@</a:t>
-            </a:r>
-            <a:r>
-              <a:rPr lang="en-US" b="1" dirty="0" err="1">
-                <a:solidFill>
-                  <a:srgbClr val="8CF4F2"/>
-                </a:solidFill>
-                <a:effectLst>
-                  <a:outerShdw blurRad="38100" dist="38100" dir="2700000" algn="tl">
-                    <a:srgbClr val="000000">
-                      <a:alpha val="43137"/>
-                    </a:srgbClr>
-                  </a:outerShdw>
-                </a:effectLst>
-                <a:latin typeface="Consolas" pitchFamily="49" charset="0"/>
-                <a:cs typeface="Consolas" pitchFamily="49" charset="0"/>
-              </a:rPr>
-              <a:t>color</a:t>
-            </a:r>
-            <a:r>
-              <a:rPr lang="en-US" b="1" dirty="0">
-                <a:solidFill>
-                  <a:srgbClr val="8CF4F2"/>
-                </a:solidFill>
-                <a:effectLst>
-                  <a:outerShdw blurRad="38100" dist="38100" dir="2700000" algn="tl">
-                    <a:srgbClr val="000000">
-                      <a:alpha val="43137"/>
-                    </a:srgbClr>
-                  </a:outerShdw>
-                </a:effectLst>
-                <a:latin typeface="Consolas" pitchFamily="49" charset="0"/>
-                <a:cs typeface="Consolas" pitchFamily="49" charset="0"/>
-              </a:rPr>
-              <a:t>){</a:t>
-            </a:r>
-          </a:p>
-          <a:p>
-            <a:pPr fontAlgn="base">
-              <a:spcAft>
-                <a:spcPct val="0"/>
-              </a:spcAft>
-              <a:buClr>
-                <a:schemeClr val="accent5">
-                  <a:lumMod val="40000"/>
-                  <a:lumOff val="60000"/>
-                </a:schemeClr>
-              </a:buClr>
-              <a:buSzPct val="70000"/>
-              <a:buFont typeface="Wingdings 2" pitchFamily="18" charset="2"/>
-              <a:buNone/>
-            </a:pPr>
-            <a:r>
-              <a:rPr lang="en-US" b="1" dirty="0">
-                <a:solidFill>
-                  <a:srgbClr val="8CF4F2"/>
-                </a:solidFill>
-                <a:effectLst>
-                  <a:outerShdw blurRad="38100" dist="38100" dir="2700000" algn="tl">
-                    <a:srgbClr val="000000">
-                      <a:alpha val="43137"/>
-                    </a:srgbClr>
-                  </a:outerShdw>
-                </a:effectLst>
-                <a:latin typeface="Consolas" pitchFamily="49" charset="0"/>
-                <a:cs typeface="Consolas" pitchFamily="49" charset="0"/>
-              </a:rPr>
-              <a:t>  color</a:t>
-            </a:r>
-            <a:r>
-              <a:rPr lang="en-US" b="1" dirty="0" smtClean="0">
-                <a:solidFill>
-                  <a:srgbClr val="8CF4F2"/>
-                </a:solidFill>
-                <a:effectLst>
-                  <a:outerShdw blurRad="38100" dist="38100" dir="2700000" algn="tl">
-                    <a:srgbClr val="000000">
-                      <a:alpha val="43137"/>
-                    </a:srgbClr>
-                  </a:outerShdw>
-                </a:effectLst>
-                <a:latin typeface="Consolas" pitchFamily="49" charset="0"/>
-                <a:cs typeface="Consolas" pitchFamily="49" charset="0"/>
-              </a:rPr>
-              <a:t>:@lighten(@</a:t>
-            </a:r>
-            <a:r>
-              <a:rPr lang="en-US" b="1" dirty="0">
-                <a:solidFill>
-                  <a:srgbClr val="8CF4F2"/>
-                </a:solidFill>
-                <a:effectLst>
-                  <a:outerShdw blurRad="38100" dist="38100" dir="2700000" algn="tl">
-                    <a:srgbClr val="000000">
-                      <a:alpha val="43137"/>
-                    </a:srgbClr>
-                  </a:outerShdw>
-                </a:effectLst>
-                <a:latin typeface="Consolas" pitchFamily="49" charset="0"/>
-                <a:cs typeface="Consolas" pitchFamily="49" charset="0"/>
-              </a:rPr>
-              <a:t>color);</a:t>
-            </a:r>
-          </a:p>
-          <a:p>
-            <a:pPr fontAlgn="base">
-              <a:spcAft>
-                <a:spcPct val="0"/>
-              </a:spcAft>
-              <a:buClr>
-                <a:schemeClr val="accent5">
-                  <a:lumMod val="40000"/>
-                  <a:lumOff val="60000"/>
-                </a:schemeClr>
-              </a:buClr>
-              <a:buSzPct val="70000"/>
-              <a:buFont typeface="Wingdings 2" pitchFamily="18" charset="2"/>
-              <a:buNone/>
-            </a:pPr>
-            <a:r>
-              <a:rPr lang="en-US" b="1" dirty="0" smtClean="0">
-                <a:solidFill>
-                  <a:srgbClr val="8CF4F2"/>
-                </a:solidFill>
-                <a:effectLst>
-                  <a:outerShdw blurRad="38100" dist="38100" dir="2700000" algn="tl">
-                    <a:srgbClr val="000000">
-                      <a:alpha val="43137"/>
-                    </a:srgbClr>
-                  </a:outerShdw>
-                </a:effectLst>
-                <a:latin typeface="Consolas" pitchFamily="49" charset="0"/>
-                <a:cs typeface="Consolas" pitchFamily="49" charset="0"/>
-              </a:rPr>
-              <a:t>}</a:t>
-            </a:r>
-          </a:p>
-          <a:p>
-            <a:pPr fontAlgn="base">
-              <a:spcAft>
-                <a:spcPct val="0"/>
-              </a:spcAft>
-              <a:buClr>
-                <a:schemeClr val="accent5">
-                  <a:lumMod val="40000"/>
-                  <a:lumOff val="60000"/>
-                </a:schemeClr>
-              </a:buClr>
-              <a:buSzPct val="70000"/>
-              <a:buFont typeface="Wingdings 2" pitchFamily="18" charset="2"/>
-              <a:buNone/>
-            </a:pPr>
-            <a:r>
-              <a:rPr lang="en-US" b="1" dirty="0" smtClean="0">
-                <a:solidFill>
-                  <a:srgbClr val="8CF4F2"/>
-                </a:solidFill>
-                <a:effectLst>
-                  <a:outerShdw blurRad="38100" dist="38100" dir="2700000" algn="tl">
-                    <a:srgbClr val="000000">
-                      <a:alpha val="43137"/>
-                    </a:srgbClr>
-                  </a:outerShdw>
-                </a:effectLst>
-                <a:latin typeface="Consolas" pitchFamily="49" charset="0"/>
-                <a:cs typeface="Consolas" pitchFamily="49" charset="0"/>
-              </a:rPr>
-              <a:t>//called no matter which of the above is called</a:t>
-            </a:r>
-            <a:endParaRPr lang="en-US" b="1" dirty="0">
-              <a:solidFill>
-                <a:srgbClr val="8CF4F2"/>
-              </a:solidFill>
-              <a:effectLst>
-                <a:outerShdw blurRad="38100" dist="38100" dir="2700000" algn="tl">
-                  <a:srgbClr val="000000">
-                    <a:alpha val="43137"/>
-                  </a:srgbClr>
-                </a:outerShdw>
-              </a:effectLst>
-              <a:latin typeface="Consolas" pitchFamily="49" charset="0"/>
-              <a:cs typeface="Consolas" pitchFamily="49" charset="0"/>
-            </a:endParaRPr>
-          </a:p>
-          <a:p>
-            <a:pPr fontAlgn="base">
-              <a:spcAft>
-                <a:spcPct val="0"/>
-              </a:spcAft>
-              <a:buClr>
-                <a:schemeClr val="accent5">
-                  <a:lumMod val="40000"/>
-                  <a:lumOff val="60000"/>
-                </a:schemeClr>
-              </a:buClr>
-              <a:buSzPct val="70000"/>
-              <a:buFont typeface="Wingdings 2" pitchFamily="18" charset="2"/>
-              <a:buNone/>
-            </a:pPr>
-            <a:r>
-              <a:rPr lang="en-US" b="1" dirty="0" smtClean="0">
-                <a:solidFill>
-                  <a:srgbClr val="8CF4F2"/>
-                </a:solidFill>
-                <a:effectLst>
-                  <a:outerShdw blurRad="38100" dist="38100" dir="2700000" algn="tl">
-                    <a:srgbClr val="000000">
-                      <a:alpha val="43137"/>
-                    </a:srgbClr>
-                  </a:outerShdw>
-                </a:effectLst>
-                <a:latin typeface="Consolas" pitchFamily="49" charset="0"/>
-                <a:cs typeface="Consolas" pitchFamily="49" charset="0"/>
-              </a:rPr>
-              <a:t>@color(</a:t>
-            </a:r>
-            <a:r>
-              <a:rPr lang="en-US" b="1" dirty="0" smtClean="0">
-                <a:solidFill>
-                  <a:schemeClr val="tx1">
-                    <a:lumMod val="20000"/>
-                    <a:lumOff val="80000"/>
-                  </a:schemeClr>
-                </a:solidFill>
-                <a:effectLst>
-                  <a:outerShdw blurRad="38100" dist="38100" dir="2700000" algn="tl">
-                    <a:srgbClr val="000000">
-                      <a:alpha val="43137"/>
-                    </a:srgbClr>
-                  </a:outerShdw>
-                </a:effectLst>
-                <a:latin typeface="Consolas" pitchFamily="49" charset="0"/>
-                <a:cs typeface="Consolas" pitchFamily="49" charset="0"/>
-              </a:rPr>
-              <a:t>@_</a:t>
-            </a:r>
-            <a:r>
-              <a:rPr lang="en-US" b="1" dirty="0" smtClean="0">
-                <a:solidFill>
-                  <a:srgbClr val="8CF4F2"/>
-                </a:solidFill>
-                <a:effectLst>
-                  <a:outerShdw blurRad="38100" dist="38100" dir="2700000" algn="tl">
-                    <a:srgbClr val="000000">
-                      <a:alpha val="43137"/>
-                    </a:srgbClr>
-                  </a:outerShdw>
-                </a:effectLst>
-                <a:latin typeface="Consolas" pitchFamily="49" charset="0"/>
-                <a:cs typeface="Consolas" pitchFamily="49" charset="0"/>
-              </a:rPr>
-              <a:t>,@color){</a:t>
-            </a:r>
-          </a:p>
-          <a:p>
-            <a:pPr fontAlgn="base">
-              <a:spcAft>
-                <a:spcPct val="0"/>
-              </a:spcAft>
-              <a:buClr>
-                <a:schemeClr val="accent5">
-                  <a:lumMod val="40000"/>
-                  <a:lumOff val="60000"/>
-                </a:schemeClr>
-              </a:buClr>
-              <a:buSzPct val="70000"/>
-              <a:buFont typeface="Wingdings 2" pitchFamily="18" charset="2"/>
-              <a:buNone/>
-            </a:pPr>
-            <a:r>
-              <a:rPr lang="en-US" b="1" dirty="0" smtClean="0">
-                <a:solidFill>
-                  <a:srgbClr val="8CF4F2"/>
-                </a:solidFill>
-                <a:effectLst>
-                  <a:outerShdw blurRad="38100" dist="38100" dir="2700000" algn="tl">
-                    <a:srgbClr val="000000">
-                      <a:alpha val="43137"/>
-                    </a:srgbClr>
-                  </a:outerShdw>
-                </a:effectLst>
-                <a:latin typeface="Consolas" pitchFamily="49" charset="0"/>
-                <a:cs typeface="Consolas" pitchFamily="49" charset="0"/>
-              </a:rPr>
-              <a:t>  border: 1px solid @color;</a:t>
-            </a:r>
-            <a:br>
-              <a:rPr lang="en-US" b="1" dirty="0" smtClean="0">
-                <a:solidFill>
-                  <a:srgbClr val="8CF4F2"/>
-                </a:solidFill>
-                <a:effectLst>
-                  <a:outerShdw blurRad="38100" dist="38100" dir="2700000" algn="tl">
-                    <a:srgbClr val="000000">
-                      <a:alpha val="43137"/>
-                    </a:srgbClr>
-                  </a:outerShdw>
-                </a:effectLst>
-                <a:latin typeface="Consolas" pitchFamily="49" charset="0"/>
-                <a:cs typeface="Consolas" pitchFamily="49" charset="0"/>
-              </a:rPr>
-            </a:br>
-            <a:r>
-              <a:rPr lang="en-US" b="1" dirty="0" smtClean="0">
-                <a:solidFill>
-                  <a:srgbClr val="8CF4F2"/>
-                </a:solidFill>
-                <a:effectLst>
-                  <a:outerShdw blurRad="38100" dist="38100" dir="2700000" algn="tl">
-                    <a:srgbClr val="000000">
-                      <a:alpha val="43137"/>
-                    </a:srgbClr>
-                  </a:outerShdw>
-                </a:effectLst>
-                <a:latin typeface="Consolas" pitchFamily="49" charset="0"/>
-                <a:cs typeface="Consolas" pitchFamily="49" charset="0"/>
-              </a:rPr>
-              <a:t>}</a:t>
-            </a:r>
-            <a:endParaRPr lang="en-US" b="1" dirty="0">
-              <a:solidFill>
-                <a:srgbClr val="8CF4F2"/>
-              </a:solidFill>
-              <a:effectLst>
-                <a:outerShdw blurRad="38100" dist="38100" dir="2700000" algn="tl">
-                  <a:srgbClr val="000000">
-                    <a:alpha val="43137"/>
-                  </a:srgbClr>
-                </a:outerShdw>
-              </a:effectLst>
-              <a:latin typeface="Consolas" pitchFamily="49" charset="0"/>
-              <a:cs typeface="Consolas" pitchFamily="49" charset="0"/>
-            </a:endParaRPr>
-          </a:p>
-        </p:txBody>
-      </p:sp>
-    </p:spTree>
-    <p:extLst>
-      <p:ext uri="{BB962C8B-B14F-4D97-AF65-F5344CB8AC3E}">
-        <p14:creationId xmlns:p14="http://schemas.microsoft.com/office/powerpoint/2010/main" val="337761595"/>
-      </p:ext>
-    </p:extLst>
-  </p:cSld>
-  <p:clrMapOvr>
-    <a:masterClrMapping/>
-  </p:clrMapOvr>
-</p:sld>
-</file>
-
-<file path=ppt/slides/slide27.xml><?xml version="1.0" encoding="utf-8"?>
-<p:sld xmlns:a="http://schemas.openxmlformats.org/drawingml/2006/main" xmlns:r="http://schemas.openxmlformats.org/officeDocument/2006/relationships" xmlns:p="http://schemas.openxmlformats.org/presentationml/2006/main">
-  <p:cSld>
-    <p:spTree>
-      <p:nvGrpSpPr>
-        <p:cNvPr id="1" name=""/>
-        <p:cNvGrpSpPr/>
-        <p:nvPr/>
-      </p:nvGrpSpPr>
-      <p:grpSpPr>
-        <a:xfrm>
-          <a:off x="0" y="0"/>
-          <a:ext cx="0" cy="0"/>
-          <a:chOff x="0" y="0"/>
-          <a:chExt cx="0" cy="0"/>
-        </a:xfrm>
-      </p:grpSpPr>
-      <p:sp>
-        <p:nvSpPr>
-          <p:cNvPr id="2" name="Title 1"/>
-          <p:cNvSpPr>
-            <a:spLocks noGrp="1"/>
-          </p:cNvSpPr>
-          <p:nvPr>
-            <p:ph type="ctrTitle"/>
-          </p:nvPr>
-        </p:nvSpPr>
-        <p:spPr/>
-        <p:txBody>
-          <a:bodyPr/>
-          <a:lstStyle/>
-          <a:p>
-            <a:r>
-              <a:rPr lang="en-US" dirty="0" smtClean="0"/>
-              <a:t>Pattern-matching Mixins</a:t>
-            </a:r>
-            <a:endParaRPr lang="en-US" dirty="0"/>
-          </a:p>
-        </p:txBody>
-      </p:sp>
-      <p:sp>
-        <p:nvSpPr>
-          <p:cNvPr id="3" name="Subtitle 2"/>
-          <p:cNvSpPr>
-            <a:spLocks noGrp="1"/>
-          </p:cNvSpPr>
-          <p:nvPr>
-            <p:ph type="subTitle" idx="1"/>
-          </p:nvPr>
-        </p:nvSpPr>
-        <p:spPr/>
-        <p:txBody>
-          <a:bodyPr/>
-          <a:lstStyle/>
-          <a:p>
-            <a:r>
-              <a:rPr lang="en-US" dirty="0" smtClean="0"/>
-              <a:t>Live Demo</a:t>
-            </a:r>
-            <a:endParaRPr lang="en-US" dirty="0"/>
-          </a:p>
-        </p:txBody>
-      </p:sp>
-    </p:spTree>
-    <p:extLst>
-      <p:ext uri="{BB962C8B-B14F-4D97-AF65-F5344CB8AC3E}">
-        <p14:creationId xmlns:p14="http://schemas.microsoft.com/office/powerpoint/2010/main" val="3085790217"/>
-      </p:ext>
-    </p:extLst>
-  </p:cSld>
-  <p:clrMapOvr>
-    <a:masterClrMapping/>
-  </p:clrMapOvr>
-</p:sld>
-</file>
-
-<file path=ppt/slides/slide28.xml><?xml version="1.0" encoding="utf-8"?>
-<p:sld xmlns:a="http://schemas.openxmlformats.org/drawingml/2006/main" xmlns:r="http://schemas.openxmlformats.org/officeDocument/2006/relationships" xmlns:p="http://schemas.openxmlformats.org/presentationml/2006/main">
-  <p:cSld>
-    <p:spTree>
-      <p:nvGrpSpPr>
-        <p:cNvPr id="1" name=""/>
-        <p:cNvGrpSpPr/>
-        <p:nvPr/>
-      </p:nvGrpSpPr>
-      <p:grpSpPr>
-        <a:xfrm>
-          <a:off x="0" y="0"/>
-          <a:ext cx="0" cy="0"/>
-          <a:chOff x="0" y="0"/>
-          <a:chExt cx="0" cy="0"/>
-        </a:xfrm>
-      </p:grpSpPr>
-      <p:sp>
-        <p:nvSpPr>
-          <p:cNvPr id="4" name="Title 3"/>
-          <p:cNvSpPr>
-            <a:spLocks noGrp="1"/>
-          </p:cNvSpPr>
-          <p:nvPr>
-            <p:ph type="title"/>
-          </p:nvPr>
-        </p:nvSpPr>
-        <p:spPr/>
-        <p:txBody>
-          <a:bodyPr/>
-          <a:lstStyle/>
-          <a:p>
-            <a:r>
               <a:rPr lang="en-US" dirty="0" smtClean="0"/>
               <a:t>LESS</a:t>
             </a:r>
@@ -13080,7 +12732,7 @@
 </p:sld>
 </file>
 
-<file path=ppt/slides/slide29.xml><?xml version="1.0" encoding="utf-8"?>
+<file path=ppt/slides/slide27.xml><?xml version="1.0" encoding="utf-8"?>
 <p:sld xmlns:a="http://schemas.openxmlformats.org/drawingml/2006/main" xmlns:r="http://schemas.openxmlformats.org/officeDocument/2006/relationships" xmlns:p="http://schemas.openxmlformats.org/presentationml/2006/main">
   <p:cSld>
     <p:spTree>
@@ -13136,53 +12788,118 @@
           <a:lstStyle/>
           <a:p>
             <a:pPr marL="347663" indent="-347663">
+              <a:lnSpc>
+                <a:spcPct val="100000"/>
+              </a:lnSpc>
               <a:buFont typeface="+mj-lt"/>
               <a:buAutoNum type="arabicPeriod"/>
             </a:pPr>
             <a:r>
-              <a:rPr lang="en-US" dirty="0" smtClean="0"/>
-              <a:t>Implement the following using </a:t>
-            </a:r>
-            <a:r>
-              <a:rPr lang="en-US" dirty="0" smtClean="0"/>
-              <a:t>LESS</a:t>
-            </a:r>
-            <a:endParaRPr lang="en-US" dirty="0" smtClean="0"/>
-          </a:p>
-          <a:p>
-            <a:pPr lvl="1"/>
-            <a:r>
-              <a:rPr lang="en-US" dirty="0" smtClean="0"/>
+              <a:rPr lang="en-US" sz="2800" dirty="0" smtClean="0"/>
+              <a:t>Implement the following </a:t>
+            </a:r>
+            <a:r>
+              <a:rPr lang="en-US" sz="2800" dirty="0" smtClean="0"/>
+              <a:t>using either </a:t>
+            </a:r>
+            <a:r>
+              <a:rPr lang="en-US" sz="2800" dirty="0" smtClean="0"/>
+              <a:t>LESS or SASS</a:t>
+            </a:r>
+          </a:p>
+          <a:p>
+            <a:pPr lvl="1">
+              <a:lnSpc>
+                <a:spcPct val="100000"/>
+              </a:lnSpc>
+            </a:pPr>
+            <a:r>
+              <a:rPr lang="en-US" sz="2600" dirty="0" smtClean="0"/>
               <a:t>Use the HTML code from homework.html</a:t>
             </a:r>
           </a:p>
           <a:p>
-            <a:pPr lvl="2"/>
-            <a:r>
-              <a:rPr lang="en-US" dirty="0" smtClean="0"/>
-              <a:t>Create </a:t>
-            </a:r>
-            <a:r>
-              <a:rPr lang="en-US" smtClean="0"/>
-              <a:t>the </a:t>
-            </a:r>
-            <a:r>
-              <a:rPr lang="en-US" smtClean="0"/>
-              <a:t>LESS </a:t>
-            </a:r>
-            <a:r>
-              <a:rPr lang="en-US" dirty="0" smtClean="0"/>
-              <a:t>easy to change (backgrounds, fonts)</a:t>
-            </a:r>
-          </a:p>
-          <a:p>
-            <a:pPr lvl="2"/>
-            <a:r>
-              <a:rPr lang="en-US" dirty="0" smtClean="0"/>
-              <a:t>Use mixins for clears, gradients)</a:t>
-            </a:r>
-          </a:p>
-          <a:p>
+            <a:pPr lvl="2">
+              <a:lnSpc>
+                <a:spcPct val="100000"/>
+              </a:lnSpc>
+            </a:pPr>
+            <a:r>
+              <a:rPr lang="en-US" sz="2400" dirty="0" smtClean="0"/>
+              <a:t>Create the LESS/SASS easy to change </a:t>
+            </a:r>
+            <a:r>
+              <a:rPr lang="en-US" sz="2400" dirty="0" smtClean="0"/>
+              <a:t>(colors, </a:t>
+            </a:r>
+            <a:r>
+              <a:rPr lang="en-US" sz="2400" dirty="0" smtClean="0"/>
+              <a:t>fonts)</a:t>
+            </a:r>
+          </a:p>
+          <a:p>
+            <a:pPr lvl="2">
+              <a:lnSpc>
+                <a:spcPct val="100000"/>
+              </a:lnSpc>
+            </a:pPr>
+            <a:r>
+              <a:rPr lang="en-US" sz="2400" dirty="0" smtClean="0"/>
+              <a:t>Use </a:t>
+            </a:r>
+            <a:r>
+              <a:rPr lang="en-US" sz="2400" dirty="0" err="1" smtClean="0"/>
+              <a:t>mixins</a:t>
+            </a:r>
+            <a:r>
+              <a:rPr lang="en-US" sz="2400" dirty="0" smtClean="0"/>
+              <a:t> for clears, gradients</a:t>
+            </a:r>
+            <a:r>
+              <a:rPr lang="en-US" sz="2400" dirty="0" smtClean="0"/>
+              <a:t>)</a:t>
+            </a:r>
+          </a:p>
+          <a:p>
+            <a:pPr lvl="2">
+              <a:lnSpc>
+                <a:spcPct val="100000"/>
+              </a:lnSpc>
+            </a:pPr>
+            <a:r>
+              <a:rPr lang="en-US" sz="2400" dirty="0" smtClean="0"/>
+              <a:t>Source can be found </a:t>
+            </a:r>
+            <a:r>
+              <a:rPr lang="en-US" sz="2400" dirty="0"/>
+              <a:t>in </a:t>
+            </a:r>
+            <a:r>
+              <a:rPr lang="en-US" sz="2400" dirty="0">
+                <a:solidFill>
+                  <a:schemeClr val="accent5">
+                    <a:lumMod val="20000"/>
+                    <a:lumOff val="80000"/>
+                  </a:schemeClr>
+                </a:solidFill>
+              </a:rPr>
+              <a:t>Preprocessors-homework.zip</a:t>
+            </a:r>
+            <a:endParaRPr lang="en-US" sz="2400" dirty="0" smtClean="0">
+              <a:solidFill>
+                <a:schemeClr val="accent5">
+                  <a:lumMod val="20000"/>
+                  <a:lumOff val="80000"/>
+                </a:schemeClr>
+              </a:solidFill>
+            </a:endParaRPr>
+          </a:p>
+          <a:p>
+            <a:pPr>
+              <a:lnSpc>
+                <a:spcPct val="100000"/>
+              </a:lnSpc>
+            </a:pPr>
             <a:endParaRPr lang="en-US" dirty="0"/>
           </a:p>
         </p:txBody>
@@ -13209,7 +12926,7 @@
         </p:blipFill>
         <p:spPr>
           <a:xfrm>
-            <a:off x="2282342" y="3810000"/>
+            <a:off x="2358542" y="3595878"/>
             <a:ext cx="4426916" cy="2766822"/>
           </a:xfrm>
           <a:prstGeom prst="rect">
@@ -13220,7 +12937,166 @@
     </p:spTree>
     <p:extLst>
       <p:ext uri="{BB962C8B-B14F-4D97-AF65-F5344CB8AC3E}">
-        <p14:creationId xmlns:p14="http://schemas.microsoft.com/office/powerpoint/2010/main" val="1739166483"/>
+        <p14:creationId xmlns:p14="http://schemas.microsoft.com/office/powerpoint/2010/main" val="3242692937"/>
+      </p:ext>
+    </p:extLst>
+  </p:cSld>
+  <p:clrMapOvr>
+    <a:masterClrMapping/>
+  </p:clrMapOvr>
+</p:sld>
+</file>
+
+<file path=ppt/slides/slide28.xml><?xml version="1.0" encoding="utf-8"?>
+<p:sld xmlns:a="http://schemas.openxmlformats.org/drawingml/2006/main" xmlns:r="http://schemas.openxmlformats.org/officeDocument/2006/relationships" xmlns:p="http://schemas.openxmlformats.org/presentationml/2006/main">
+  <p:cSld>
+    <p:spTree>
+      <p:nvGrpSpPr>
+        <p:cNvPr id="1" name=""/>
+        <p:cNvGrpSpPr/>
+        <p:nvPr/>
+      </p:nvGrpSpPr>
+      <p:grpSpPr>
+        <a:xfrm>
+          <a:off x="0" y="0"/>
+          <a:ext cx="0" cy="0"/>
+          <a:chOff x="0" y="0"/>
+          <a:chExt cx="0" cy="0"/>
+        </a:xfrm>
+      </p:grpSpPr>
+      <p:sp>
+        <p:nvSpPr>
+          <p:cNvPr id="2" name="Title 1"/>
+          <p:cNvSpPr>
+            <a:spLocks noGrp="1"/>
+          </p:cNvSpPr>
+          <p:nvPr>
+            <p:ph type="title"/>
+          </p:nvPr>
+        </p:nvSpPr>
+        <p:spPr/>
+        <p:txBody>
+          <a:bodyPr/>
+          <a:lstStyle/>
+          <a:p>
+            <a:r>
+              <a:rPr lang="en-US" dirty="0" smtClean="0"/>
+              <a:t>Homework (2)</a:t>
+            </a:r>
+            <a:endParaRPr lang="en-US" dirty="0"/>
+          </a:p>
+        </p:txBody>
+      </p:sp>
+      <p:sp>
+        <p:nvSpPr>
+          <p:cNvPr id="3" name="Content Placeholder 2"/>
+          <p:cNvSpPr>
+            <a:spLocks noGrp="1"/>
+          </p:cNvSpPr>
+          <p:nvPr>
+            <p:ph idx="1"/>
+          </p:nvPr>
+        </p:nvSpPr>
+        <p:spPr/>
+        <p:txBody>
+          <a:bodyPr/>
+          <a:lstStyle/>
+          <a:p>
+            <a:pPr marL="347663" indent="-347663">
+              <a:lnSpc>
+                <a:spcPct val="100000"/>
+              </a:lnSpc>
+              <a:buFont typeface="+mj-lt"/>
+              <a:buAutoNum type="arabicPeriod" startAt="2"/>
+            </a:pPr>
+            <a:r>
+              <a:rPr lang="en-US" sz="3000" dirty="0" smtClean="0"/>
+              <a:t>Create a web gallery</a:t>
+            </a:r>
+          </a:p>
+          <a:p>
+            <a:pPr marL="804863" lvl="1" indent="-457200">
+              <a:lnSpc>
+                <a:spcPct val="100000"/>
+              </a:lnSpc>
+            </a:pPr>
+            <a:r>
+              <a:rPr lang="en-US" sz="2800" dirty="0" smtClean="0"/>
+              <a:t>Use </a:t>
+            </a:r>
+            <a:r>
+              <a:rPr lang="en-US" sz="2800" dirty="0"/>
+              <a:t>only HTML, </a:t>
+            </a:r>
+            <a:r>
+              <a:rPr lang="en-US" sz="2800" dirty="0" smtClean="0"/>
+              <a:t>LESS or SASS</a:t>
+            </a:r>
+            <a:endParaRPr lang="en-US" sz="2800" dirty="0"/>
+          </a:p>
+          <a:p>
+            <a:pPr marL="804863" lvl="1" indent="-457200">
+              <a:lnSpc>
+                <a:spcPct val="100000"/>
+              </a:lnSpc>
+            </a:pPr>
+            <a:r>
+              <a:rPr lang="en-US" sz="2800" dirty="0" smtClean="0"/>
+              <a:t>List images</a:t>
+            </a:r>
+          </a:p>
+          <a:p>
+            <a:pPr marL="804863" lvl="1" indent="-457200">
+              <a:lnSpc>
+                <a:spcPct val="100000"/>
+              </a:lnSpc>
+            </a:pPr>
+            <a:r>
+              <a:rPr lang="en-US" sz="2800" dirty="0" smtClean="0"/>
+              <a:t>When a image is selected, show it </a:t>
+            </a:r>
+            <a:r>
+              <a:rPr lang="en-US" sz="2800" dirty="0" smtClean="0"/>
+              <a:t>zoomed</a:t>
+            </a:r>
+            <a:endParaRPr lang="en-US" sz="2800" dirty="0"/>
+          </a:p>
+        </p:txBody>
+      </p:sp>
+      <p:pic>
+        <p:nvPicPr>
+          <p:cNvPr id="4" name="Picture 3"/>
+          <p:cNvPicPr>
+            <a:picLocks noChangeAspect="1"/>
+          </p:cNvPicPr>
+          <p:nvPr/>
+        </p:nvPicPr>
+        <p:blipFill>
+          <a:blip r:embed="rId2" cstate="screen">
+            <a:extLst>
+              <a:ext uri="{28A0092B-C50C-407E-A947-70E740481C1C}">
+                <a14:useLocalDpi xmlns:a14="http://schemas.microsoft.com/office/drawing/2010/main"/>
+              </a:ext>
+            </a:extLst>
+          </a:blip>
+          <a:stretch>
+            <a:fillRect/>
+          </a:stretch>
+        </p:blipFill>
+        <p:spPr>
+          <a:xfrm>
+            <a:off x="2846451" y="3300571"/>
+            <a:ext cx="3451098" cy="3025372"/>
+          </a:xfrm>
+          <a:prstGeom prst="rect">
+            <a:avLst/>
+          </a:prstGeom>
+        </p:spPr>
+      </p:pic>
+    </p:spTree>
+    <p:extLst>
+      <p:ext uri="{BB962C8B-B14F-4D97-AF65-F5344CB8AC3E}">
+        <p14:creationId xmlns:p14="http://schemas.microsoft.com/office/powerpoint/2010/main" val="3875265909"/>
       </p:ext>
     </p:extLst>
   </p:cSld>
@@ -13401,11 +13277,7 @@
           <a:p>
             <a:r>
               <a:rPr lang="en-US" dirty="0" smtClean="0"/>
-              <a:t>LESS </a:t>
-            </a:r>
-            <a:r>
-              <a:rPr lang="en-US" dirty="0" smtClean="0"/>
-              <a:t>Overview</a:t>
+              <a:t>LESS Overview</a:t>
             </a:r>
             <a:endParaRPr lang="en-US" dirty="0"/>
           </a:p>
@@ -13421,72 +13293,204 @@
             <p:ph idx="1"/>
           </p:nvPr>
         </p:nvSpPr>
-        <p:spPr/>
+        <p:spPr>
+          <a:xfrm>
+            <a:off x="228600" y="807866"/>
+            <a:ext cx="8686800" cy="5791200"/>
+          </a:xfrm>
+        </p:spPr>
         <p:txBody>
           <a:bodyPr/>
           <a:lstStyle/>
           <a:p>
-            <a:r>
-              <a:rPr lang="en-US" dirty="0" smtClean="0"/>
-              <a:t>Extension to CSS</a:t>
-            </a:r>
-          </a:p>
-          <a:p>
-            <a:pPr lvl="1"/>
-            <a:r>
-              <a:rPr lang="en-US" dirty="0" smtClean="0"/>
-              <a:t>Much like SASS</a:t>
-            </a:r>
-          </a:p>
-          <a:p>
-            <a:pPr lvl="1"/>
-            <a:r>
-              <a:rPr lang="en-US" dirty="0" smtClean="0"/>
-              <a:t>Can be parsed both Client and Server side</a:t>
-            </a:r>
-          </a:p>
-          <a:p>
-            <a:pPr lvl="2"/>
+            <a:pPr>
+              <a:lnSpc>
+                <a:spcPct val="100000"/>
+              </a:lnSpc>
+            </a:pPr>
+            <a:r>
+              <a:rPr lang="en-US" dirty="0" smtClean="0"/>
+              <a:t>Preprocessor </a:t>
+            </a:r>
+            <a:r>
+              <a:rPr lang="en-US" dirty="0" smtClean="0"/>
+              <a:t>to CSS</a:t>
+            </a:r>
+          </a:p>
+          <a:p>
+            <a:pPr lvl="1">
+              <a:lnSpc>
+                <a:spcPct val="100000"/>
+              </a:lnSpc>
+            </a:pPr>
+            <a:r>
+              <a:rPr lang="en-US" dirty="0" smtClean="0">
+                <a:hlinkClick r:id="rId2"/>
+              </a:rPr>
+              <a:t>http://lesscss.org</a:t>
+            </a:r>
+            <a:r>
+              <a:rPr lang="en-US" dirty="0" smtClean="0"/>
+              <a:t> </a:t>
+            </a:r>
+          </a:p>
+          <a:p>
+            <a:pPr lvl="1">
+              <a:lnSpc>
+                <a:spcPct val="100000"/>
+              </a:lnSpc>
+            </a:pPr>
+            <a:r>
+              <a:rPr lang="en-US" dirty="0" smtClean="0"/>
+              <a:t>Can</a:t>
+            </a:r>
+            <a:r>
+              <a:rPr lang="en-US" sz="1900" dirty="0" smtClean="0"/>
+              <a:t> </a:t>
+            </a:r>
+            <a:r>
+              <a:rPr lang="en-US" dirty="0" smtClean="0"/>
+              <a:t>be</a:t>
+            </a:r>
+            <a:r>
+              <a:rPr lang="en-US" sz="1900" dirty="0" smtClean="0"/>
+              <a:t> </a:t>
+            </a:r>
+            <a:r>
+              <a:rPr lang="en-US" dirty="0" smtClean="0"/>
+              <a:t>compiled</a:t>
+            </a:r>
+            <a:r>
+              <a:rPr lang="en-US" sz="1900" dirty="0" smtClean="0"/>
+              <a:t> </a:t>
+            </a:r>
+            <a:r>
+              <a:rPr lang="en-US" dirty="0" smtClean="0"/>
+              <a:t>both</a:t>
+            </a:r>
+            <a:r>
+              <a:rPr lang="en-US" sz="1900" dirty="0" smtClean="0"/>
+              <a:t> </a:t>
+            </a:r>
+            <a:r>
+              <a:rPr lang="en-US" dirty="0" smtClean="0"/>
+              <a:t>in</a:t>
+            </a:r>
+            <a:r>
+              <a:rPr lang="en-US" sz="1900" dirty="0" smtClean="0"/>
+              <a:t> </a:t>
+            </a:r>
+            <a:r>
+              <a:rPr lang="en-US" dirty="0" smtClean="0"/>
+              <a:t>the</a:t>
+            </a:r>
+            <a:r>
+              <a:rPr lang="en-US" sz="1900" dirty="0" smtClean="0"/>
+              <a:t> </a:t>
+            </a:r>
+            <a:r>
+              <a:rPr lang="en-US" dirty="0" smtClean="0"/>
+              <a:t>browser</a:t>
+            </a:r>
+            <a:r>
+              <a:rPr lang="en-US" sz="1900" dirty="0" smtClean="0"/>
+              <a:t> </a:t>
+            </a:r>
+            <a:r>
+              <a:rPr lang="en-US" dirty="0" smtClean="0"/>
+              <a:t>or</a:t>
+            </a:r>
+            <a:r>
+              <a:rPr lang="en-US" sz="1900" dirty="0" smtClean="0"/>
+              <a:t> </a:t>
+            </a:r>
+            <a:r>
+              <a:rPr lang="en-US" dirty="0" smtClean="0"/>
+              <a:t>the</a:t>
+            </a:r>
+            <a:r>
+              <a:rPr lang="en-US" sz="1900" dirty="0" smtClean="0"/>
+              <a:t> </a:t>
+            </a:r>
+            <a:r>
+              <a:rPr lang="en-US" dirty="0" smtClean="0"/>
+              <a:t>server</a:t>
+            </a:r>
+          </a:p>
+          <a:p>
+            <a:pPr lvl="2">
+              <a:lnSpc>
+                <a:spcPct val="100000"/>
+              </a:lnSpc>
+            </a:pPr>
             <a:r>
               <a:rPr lang="en-US" dirty="0" smtClean="0"/>
               <a:t>Using a LESS parser written in JavaScript</a:t>
             </a:r>
           </a:p>
           <a:p>
-            <a:r>
-              <a:rPr lang="en-US" dirty="0" smtClean="0"/>
-              <a:t>LESS Features include </a:t>
-            </a:r>
-          </a:p>
-          <a:p>
-            <a:pPr lvl="1"/>
-            <a:r>
-              <a:rPr lang="en-US" dirty="0" smtClean="0"/>
-              <a:t>Variables, </a:t>
-            </a:r>
-          </a:p>
-          <a:p>
-            <a:pPr lvl="1"/>
+            <a:pPr>
+              <a:lnSpc>
+                <a:spcPct val="100000"/>
+              </a:lnSpc>
+            </a:pPr>
+            <a:r>
+              <a:rPr lang="en-US" dirty="0" smtClean="0"/>
+              <a:t>LESS </a:t>
+            </a:r>
+            <a:r>
+              <a:rPr lang="en-US" dirty="0" smtClean="0"/>
+              <a:t>Features include </a:t>
+            </a:r>
+          </a:p>
+          <a:p>
+            <a:pPr lvl="1">
+              <a:lnSpc>
+                <a:spcPct val="100000"/>
+              </a:lnSpc>
+            </a:pPr>
+            <a:r>
+              <a:rPr lang="en-US" dirty="0" smtClean="0"/>
+              <a:t>Variables</a:t>
+            </a:r>
+            <a:endParaRPr lang="en-US" dirty="0" smtClean="0"/>
+          </a:p>
+          <a:p>
+            <a:pPr lvl="1">
+              <a:lnSpc>
+                <a:spcPct val="100000"/>
+              </a:lnSpc>
+            </a:pPr>
             <a:r>
               <a:rPr lang="en-US" dirty="0" smtClean="0"/>
               <a:t>Mixins</a:t>
             </a:r>
           </a:p>
           <a:p>
-            <a:pPr lvl="1"/>
+            <a:pPr lvl="1">
+              <a:lnSpc>
+                <a:spcPct val="100000"/>
+              </a:lnSpc>
+            </a:pPr>
             <a:r>
               <a:rPr lang="en-US" dirty="0" smtClean="0"/>
               <a:t>Color editing functions</a:t>
             </a:r>
           </a:p>
           <a:p>
-            <a:pPr lvl="1"/>
-            <a:r>
-              <a:rPr lang="en-US" dirty="0" smtClean="0"/>
-              <a:t>Selector nesting</a:t>
-            </a:r>
-          </a:p>
-          <a:p>
+            <a:pPr lvl="1">
+              <a:lnSpc>
+                <a:spcPct val="100000"/>
+              </a:lnSpc>
+            </a:pPr>
+            <a:r>
+              <a:rPr lang="en-US" dirty="0" smtClean="0"/>
+              <a:t>Selector </a:t>
+            </a:r>
+            <a:r>
+              <a:rPr lang="en-US" dirty="0" smtClean="0"/>
+              <a:t>nesting</a:t>
+            </a:r>
             <a:endParaRPr lang="en-US" dirty="0" smtClean="0"/>
           </a:p>
         </p:txBody>
@@ -13637,15 +13641,28 @@
           <a:p>
             <a:r>
               <a:rPr lang="en-US" dirty="0" smtClean="0"/>
-              <a:t>LESS can be parsed on the client (browser)</a:t>
+              <a:t>LESS can be </a:t>
+            </a:r>
+            <a:r>
+              <a:rPr lang="en-US" dirty="0" smtClean="0"/>
+              <a:t>compiled in </a:t>
+            </a:r>
+            <a:r>
+              <a:rPr lang="en-US" dirty="0" smtClean="0"/>
+              <a:t>the client (browser)</a:t>
             </a:r>
           </a:p>
           <a:p>
             <a:pPr lvl="1"/>
             <a:r>
               <a:rPr lang="en-US" dirty="0" smtClean="0"/>
-              <a:t>Include a JavaScript file, that does the parsing</a:t>
-            </a:r>
+              <a:t>Include a JavaScript file, </a:t>
+            </a:r>
+            <a:r>
+              <a:rPr lang="en-US" dirty="0" smtClean="0"/>
+              <a:t>the compiles it to CSS</a:t>
+            </a:r>
+            <a:endParaRPr lang="en-US" dirty="0" smtClean="0"/>
           </a:p>
           <a:p>
             <a:r>
@@ -13660,8 +13677,43 @@
             </a:pPr>
             <a:r>
               <a:rPr lang="en-US" dirty="0" smtClean="0"/>
-              <a:t>Write your LESS</a:t>
-            </a:r>
+              <a:t>Write your </a:t>
+            </a:r>
+            <a:r>
+              <a:rPr lang="en-US" dirty="0" smtClean="0"/>
+              <a:t>LESS</a:t>
+            </a:r>
+            <a:r>
+              <a:rPr lang="bg-BG" dirty="0" smtClean="0"/>
+              <a:t>, </a:t>
+            </a:r>
+            <a:r>
+              <a:rPr lang="en-US" dirty="0" smtClean="0"/>
+              <a:t>download </a:t>
+            </a:r>
+            <a:r>
+              <a:rPr lang="en-US" dirty="0" smtClean="0">
+                <a:solidFill>
+                  <a:schemeClr val="accent5">
+                    <a:lumMod val="20000"/>
+                    <a:lumOff val="80000"/>
+                  </a:schemeClr>
+                </a:solidFill>
+                <a:latin typeface="Consolas" panose="020B0609020204030204" pitchFamily="49" charset="0"/>
+                <a:cs typeface="Consolas" panose="020B0609020204030204" pitchFamily="49" charset="0"/>
+              </a:rPr>
+              <a:t>less.js</a:t>
+            </a:r>
+            <a:endParaRPr lang="en-US" dirty="0" smtClean="0">
+              <a:solidFill>
+                <a:schemeClr val="accent5">
+                  <a:lumMod val="20000"/>
+                  <a:lumOff val="80000"/>
+                </a:schemeClr>
+              </a:solidFill>
+              <a:latin typeface="Consolas" panose="020B0609020204030204" pitchFamily="49" charset="0"/>
+              <a:cs typeface="Consolas" panose="020B0609020204030204" pitchFamily="49" charset="0"/>
+            </a:endParaRPr>
           </a:p>
           <a:p>
             <a:pPr marL="862013" lvl="1" indent="-514350">
@@ -13680,7 +13732,11 @@
             </a:pPr>
             <a:r>
               <a:rPr lang="en-US" dirty="0" smtClean="0"/>
-              <a:t> Using Visual Studio, you should add a mime type for the LESS in </a:t>
+              <a:t>If using </a:t>
+            </a:r>
+            <a:r>
+              <a:rPr lang="en-US" dirty="0" smtClean="0"/>
+              <a:t>Visual Studio, you should add a mime type for the LESS in </a:t>
             </a:r>
             <a:r>
               <a:rPr lang="en-US" dirty="0" err="1" smtClean="0"/>
@@ -14746,7 +14802,7 @@
             <a:spLocks noGrp="1"/>
           </p:cNvSpPr>
           <p:nvPr>
-            <p:ph type="title"/>
+            <p:ph type="ctrTitle"/>
           </p:nvPr>
         </p:nvSpPr>
         <p:spPr/>
@@ -14756,7 +14812,7 @@
           <a:p>
             <a:r>
               <a:rPr lang="en-US" dirty="0" smtClean="0"/>
-              <a:t>Using LESS on the Client (2)</a:t>
+              <a:t>Using LESS on the Client</a:t>
             </a:r>
             <a:endParaRPr lang="en-US" dirty="0"/>
           </a:p>
@@ -14764,110 +14820,31 @@
       </p:sp>
       <p:sp>
         <p:nvSpPr>
-          <p:cNvPr id="5" name="Content Placeholder 4"/>
+          <p:cNvPr id="5" name="Subtitle 4"/>
           <p:cNvSpPr>
             <a:spLocks noGrp="1"/>
           </p:cNvSpPr>
           <p:nvPr>
-            <p:ph idx="1"/>
+            <p:ph type="subTitle" idx="1"/>
           </p:nvPr>
         </p:nvSpPr>
-        <p:spPr>
-          <a:xfrm>
-            <a:off x="228600" y="749808"/>
-            <a:ext cx="8686800" cy="5791200"/>
-          </a:xfrm>
-        </p:spPr>
+        <p:spPr/>
         <p:txBody>
           <a:bodyPr/>
           <a:lstStyle/>
           <a:p>
             <a:r>
               <a:rPr lang="en-US" dirty="0" smtClean="0"/>
-              <a:t>How client-side LESS works?</a:t>
-            </a:r>
-          </a:p>
-          <a:p>
-            <a:pPr lvl="1"/>
-            <a:r>
-              <a:rPr lang="en-US" dirty="0" smtClean="0"/>
-              <a:t>The JavaScript performs a AJAX GET request to LESS file</a:t>
-            </a:r>
-          </a:p>
-          <a:p>
-            <a:pPr lvl="1"/>
-            <a:r>
-              <a:rPr lang="en-US" dirty="0" smtClean="0"/>
-              <a:t>Then it parses all the LESS code into pure CSS</a:t>
-            </a:r>
-          </a:p>
-          <a:p>
-            <a:pPr lvl="1"/>
-            <a:r>
-              <a:rPr lang="en-US" dirty="0" smtClean="0"/>
-              <a:t>The CSS is appended to the HEAD of the page</a:t>
-            </a:r>
-          </a:p>
-          <a:p>
-            <a:r>
-              <a:rPr lang="en-US" dirty="0" smtClean="0"/>
-              <a:t>Using client-side LESS is </a:t>
-            </a:r>
-            <a:r>
-              <a:rPr lang="en-US" dirty="0" smtClean="0">
-                <a:solidFill>
-                  <a:schemeClr val="accent5">
-                    <a:lumMod val="20000"/>
-                    <a:lumOff val="80000"/>
-                  </a:schemeClr>
-                </a:solidFill>
-              </a:rPr>
-              <a:t>slow</a:t>
-            </a:r>
-          </a:p>
-          <a:p>
-            <a:pPr lvl="1"/>
-            <a:r>
-              <a:rPr lang="en-US" dirty="0"/>
-              <a:t>All the </a:t>
-            </a:r>
-            <a:r>
-              <a:rPr lang="en-US" dirty="0" smtClean="0"/>
-              <a:t>parsing is done by the client</a:t>
-            </a:r>
-          </a:p>
-          <a:p>
-            <a:pPr lvl="1"/>
-            <a:r>
-              <a:rPr lang="en-US" dirty="0" smtClean="0"/>
-              <a:t>i.e. spend some of the browser resources for </a:t>
-            </a:r>
-            <a:r>
-              <a:rPr lang="en-US" dirty="0" err="1" smtClean="0"/>
-              <a:t>kinda</a:t>
-            </a:r>
-            <a:r>
-              <a:rPr lang="en-US" dirty="0" smtClean="0"/>
-              <a:t> pointless parsing</a:t>
-            </a:r>
-          </a:p>
-          <a:p>
-            <a:pPr lvl="1"/>
-            <a:r>
-              <a:rPr lang="en-US" dirty="0" smtClean="0"/>
-              <a:t>Imagine a 2000-lines-long LESS file…</a:t>
-            </a:r>
-          </a:p>
-          <a:p>
-            <a:pPr lvl="1"/>
-            <a:endParaRPr lang="en-US" dirty="0" smtClean="0"/>
+              <a:t>Live Demo</a:t>
+            </a:r>
+            <a:endParaRPr lang="en-US" dirty="0"/>
           </a:p>
         </p:txBody>
       </p:sp>
     </p:spTree>
     <p:extLst>
       <p:ext uri="{BB962C8B-B14F-4D97-AF65-F5344CB8AC3E}">
-        <p14:creationId xmlns:p14="http://schemas.microsoft.com/office/powerpoint/2010/main" val="757278687"/>
+        <p14:creationId xmlns:p14="http://schemas.microsoft.com/office/powerpoint/2010/main" val="2708507751"/>
       </p:ext>
     </p:extLst>
   </p:cSld>
@@ -14901,7 +14878,7 @@
             <a:spLocks noGrp="1"/>
           </p:cNvSpPr>
           <p:nvPr>
-            <p:ph type="ctrTitle"/>
+            <p:ph type="title"/>
           </p:nvPr>
         </p:nvSpPr>
         <p:spPr/>
@@ -14911,7 +14888,11 @@
           <a:p>
             <a:r>
               <a:rPr lang="en-US" dirty="0" smtClean="0"/>
-              <a:t>Using LESS on the Client</a:t>
+              <a:t>Using LESS on the </a:t>
+            </a:r>
+            <a:r>
+              <a:rPr lang="en-US" dirty="0" smtClean="0"/>
+              <a:t>Client</a:t>
             </a:r>
             <a:endParaRPr lang="en-US" dirty="0"/>
           </a:p>
@@ -14919,31 +14900,162 @@
       </p:sp>
       <p:sp>
         <p:nvSpPr>
-          <p:cNvPr id="5" name="Subtitle 4"/>
+          <p:cNvPr id="5" name="Content Placeholder 4"/>
           <p:cNvSpPr>
             <a:spLocks noGrp="1"/>
           </p:cNvSpPr>
           <p:nvPr>
-            <p:ph type="subTitle" idx="1"/>
+            <p:ph idx="1"/>
           </p:nvPr>
         </p:nvSpPr>
-        <p:spPr/>
+        <p:spPr>
+          <a:xfrm>
+            <a:off x="228600" y="749808"/>
+            <a:ext cx="8686800" cy="5791200"/>
+          </a:xfrm>
+        </p:spPr>
         <p:txBody>
           <a:bodyPr/>
           <a:lstStyle/>
           <a:p>
-            <a:r>
-              <a:rPr lang="en-US" dirty="0" smtClean="0"/>
-              <a:t>Live Demo</a:t>
-            </a:r>
-            <a:endParaRPr lang="en-US" dirty="0"/>
+            <a:pPr>
+              <a:lnSpc>
+                <a:spcPct val="100000"/>
+              </a:lnSpc>
+            </a:pPr>
+            <a:r>
+              <a:rPr lang="en-US" dirty="0" smtClean="0"/>
+              <a:t>How client-side LESS works?</a:t>
+            </a:r>
+          </a:p>
+          <a:p>
+            <a:pPr lvl="1">
+              <a:lnSpc>
+                <a:spcPct val="100000"/>
+              </a:lnSpc>
+            </a:pPr>
+            <a:r>
+              <a:rPr lang="en-US" dirty="0" smtClean="0"/>
+              <a:t>The JavaScript performs a AJAX GET request to </a:t>
+            </a:r>
+            <a:r>
+              <a:rPr lang="en-US" dirty="0" smtClean="0"/>
+              <a:t>the LESS </a:t>
+            </a:r>
+            <a:r>
+              <a:rPr lang="en-US" dirty="0" smtClean="0"/>
+              <a:t>file</a:t>
+            </a:r>
+          </a:p>
+          <a:p>
+            <a:pPr lvl="1">
+              <a:lnSpc>
+                <a:spcPct val="100000"/>
+              </a:lnSpc>
+            </a:pPr>
+            <a:r>
+              <a:rPr lang="en-US" dirty="0" smtClean="0"/>
+              <a:t>Then it </a:t>
+            </a:r>
+            <a:r>
+              <a:rPr lang="en-US" dirty="0" smtClean="0"/>
+              <a:t>compiles the </a:t>
+            </a:r>
+            <a:r>
+              <a:rPr lang="en-US" dirty="0" smtClean="0"/>
+              <a:t>LESS code into pure CSS</a:t>
+            </a:r>
+          </a:p>
+          <a:p>
+            <a:pPr lvl="1">
+              <a:lnSpc>
+                <a:spcPct val="100000"/>
+              </a:lnSpc>
+            </a:pPr>
+            <a:r>
+              <a:rPr lang="en-US" dirty="0" smtClean="0"/>
+              <a:t>The CSS is appended to the HEAD of the page</a:t>
+            </a:r>
+          </a:p>
+          <a:p>
+            <a:pPr>
+              <a:lnSpc>
+                <a:spcPct val="100000"/>
+              </a:lnSpc>
+            </a:pPr>
+            <a:r>
+              <a:rPr lang="en-US" dirty="0" smtClean="0"/>
+              <a:t>Using client-side LESS is </a:t>
+            </a:r>
+            <a:r>
+              <a:rPr lang="en-US" dirty="0" smtClean="0">
+                <a:solidFill>
+                  <a:schemeClr val="accent5">
+                    <a:lumMod val="20000"/>
+                    <a:lumOff val="80000"/>
+                  </a:schemeClr>
+                </a:solidFill>
+              </a:rPr>
+              <a:t>slow</a:t>
+            </a:r>
+          </a:p>
+          <a:p>
+            <a:pPr lvl="1">
+              <a:lnSpc>
+                <a:spcPct val="100000"/>
+              </a:lnSpc>
+            </a:pPr>
+            <a:r>
+              <a:rPr lang="en-US" dirty="0"/>
+              <a:t>All the </a:t>
+            </a:r>
+            <a:r>
+              <a:rPr lang="en-US" dirty="0" smtClean="0"/>
+              <a:t>compiling is </a:t>
+            </a:r>
+            <a:r>
+              <a:rPr lang="en-US" dirty="0" smtClean="0"/>
+              <a:t>done by the client</a:t>
+            </a:r>
+          </a:p>
+          <a:p>
+            <a:pPr lvl="1">
+              <a:lnSpc>
+                <a:spcPct val="100000"/>
+              </a:lnSpc>
+            </a:pPr>
+            <a:r>
+              <a:rPr lang="en-US" dirty="0" smtClean="0"/>
+              <a:t>i.e</a:t>
+            </a:r>
+            <a:r>
+              <a:rPr lang="en-US" dirty="0" smtClean="0"/>
+              <a:t>. the browser spends recourses and time for the LESS compiling</a:t>
+            </a:r>
+            <a:endParaRPr lang="en-US" dirty="0" smtClean="0"/>
+          </a:p>
+          <a:p>
+            <a:pPr lvl="1">
+              <a:lnSpc>
+                <a:spcPct val="100000"/>
+              </a:lnSpc>
+            </a:pPr>
+            <a:r>
+              <a:rPr lang="en-US" dirty="0" smtClean="0"/>
+              <a:t>Imagine a 2000-lines-long LESS file</a:t>
+            </a:r>
+            <a:r>
+              <a:rPr lang="en-US" dirty="0" smtClean="0"/>
+              <a:t>…</a:t>
+            </a:r>
+            <a:endParaRPr lang="en-US" dirty="0" smtClean="0"/>
           </a:p>
         </p:txBody>
       </p:sp>
     </p:spTree>
     <p:extLst>
       <p:ext uri="{BB962C8B-B14F-4D97-AF65-F5344CB8AC3E}">
-        <p14:creationId xmlns:p14="http://schemas.microsoft.com/office/powerpoint/2010/main" val="2708507751"/>
+        <p14:creationId xmlns:p14="http://schemas.microsoft.com/office/powerpoint/2010/main" val="757278687"/>
       </p:ext>
     </p:extLst>
   </p:cSld>
@@ -15003,30 +15115,45 @@
             <p:ph idx="1"/>
           </p:nvPr>
         </p:nvSpPr>
-        <p:spPr/>
+        <p:spPr>
+          <a:xfrm>
+            <a:off x="228600" y="896644"/>
+            <a:ext cx="8686800" cy="5791200"/>
+          </a:xfrm>
+        </p:spPr>
         <p:txBody>
           <a:bodyPr/>
           <a:lstStyle/>
           <a:p>
             <a:r>
               <a:rPr lang="en-US" dirty="0" smtClean="0"/>
-              <a:t>LESS can be parsed on the server</a:t>
-            </a:r>
-            <a:r>
-              <a:rPr lang="en-US" dirty="0"/>
-              <a:t> </a:t>
-            </a:r>
-            <a:r>
-              <a:rPr lang="en-US" dirty="0" smtClean="0"/>
-              <a:t>in many ways</a:t>
-            </a:r>
+              <a:t>LESS can be </a:t>
+            </a:r>
+            <a:r>
+              <a:rPr lang="en-US" dirty="0" smtClean="0"/>
+              <a:t>compiled on </a:t>
+            </a:r>
+            <a:r>
+              <a:rPr lang="en-US" dirty="0" smtClean="0"/>
+              <a:t>the </a:t>
+            </a:r>
+            <a:r>
+              <a:rPr lang="en-US" dirty="0" smtClean="0"/>
+              <a:t>server</a:t>
+            </a:r>
+            <a:endParaRPr lang="en-US" dirty="0" smtClean="0"/>
           </a:p>
           <a:p>
             <a:pPr lvl="1"/>
             <a:r>
               <a:rPr lang="en-US" dirty="0" smtClean="0"/>
-              <a:t>Using the client approach and copy the parsed CSS</a:t>
-            </a:r>
+              <a:t>Using the client approach and copy </a:t>
+            </a:r>
+            <a:r>
+              <a:rPr lang="en-US" dirty="0" smtClean="0"/>
+              <a:t>the CSS</a:t>
+            </a:r>
+            <a:endParaRPr lang="en-US" dirty="0" smtClean="0"/>
           </a:p>
           <a:p>
             <a:pPr lvl="2"/>
@@ -15044,7 +15171,26 @@
             <a:pPr lvl="1"/>
             <a:r>
               <a:rPr lang="en-US" dirty="0" smtClean="0"/>
-              <a:t>Using node.js to do the parsing</a:t>
+              <a:t>Using </a:t>
+            </a:r>
+            <a:r>
+              <a:rPr lang="en-US" dirty="0" smtClean="0">
+                <a:solidFill>
+                  <a:schemeClr val="accent5">
+                    <a:lumMod val="20000"/>
+                    <a:lumOff val="80000"/>
+                  </a:schemeClr>
+                </a:solidFill>
+              </a:rPr>
+              <a:t>Node.js</a:t>
+            </a:r>
+            <a:r>
+              <a:rPr lang="en-US" dirty="0" smtClean="0"/>
+              <a:t> </a:t>
+            </a:r>
+            <a:r>
+              <a:rPr lang="en-US" dirty="0" smtClean="0"/>
+              <a:t>to do the parsing</a:t>
             </a:r>
           </a:p>
           <a:p>
@@ -15058,14 +15204,62 @@
             <a:pPr lvl="1"/>
             <a:r>
               <a:rPr lang="en-US" dirty="0" smtClean="0"/>
-              <a:t>Using VS plugin - Web Essentials</a:t>
+              <a:t>Using </a:t>
+            </a:r>
+            <a:r>
+              <a:rPr lang="en-US" dirty="0" smtClean="0"/>
+              <a:t>plugins for your favorite Web editor </a:t>
             </a:r>
           </a:p>
           <a:p>
             <a:pPr lvl="2"/>
             <a:r>
-              <a:rPr lang="en-US" dirty="0" smtClean="0"/>
-              <a:t>Live parses the LESS to pure CSS</a:t>
+              <a:rPr lang="en-US" dirty="0" smtClean="0">
+                <a:solidFill>
+                  <a:schemeClr val="accent5">
+                    <a:lumMod val="20000"/>
+                    <a:lumOff val="80000"/>
+                  </a:schemeClr>
+                </a:solidFill>
+              </a:rPr>
+              <a:t>Web Essentials</a:t>
+            </a:r>
+            <a:r>
+              <a:rPr lang="en-US" dirty="0" smtClean="0"/>
+              <a:t> for Visual Studio</a:t>
+            </a:r>
+          </a:p>
+          <a:p>
+            <a:pPr lvl="2"/>
+            <a:r>
+              <a:rPr lang="en-US" dirty="0" smtClean="0">
+                <a:solidFill>
+                  <a:schemeClr val="accent5">
+                    <a:lumMod val="20000"/>
+                    <a:lumOff val="80000"/>
+                  </a:schemeClr>
+                </a:solidFill>
+              </a:rPr>
+              <a:t>LESS</a:t>
+            </a:r>
+            <a:r>
+              <a:rPr lang="en-US" dirty="0" smtClean="0"/>
+              <a:t> and </a:t>
+            </a:r>
+            <a:r>
+              <a:rPr lang="en-US" dirty="0" smtClean="0">
+                <a:solidFill>
+                  <a:schemeClr val="accent5">
+                    <a:lumMod val="20000"/>
+                    <a:lumOff val="80000"/>
+                  </a:schemeClr>
+                </a:solidFill>
+              </a:rPr>
+              <a:t>LESS2CSS </a:t>
+            </a:r>
+            <a:r>
+              <a:rPr lang="en-US" dirty="0"/>
+              <a:t>for Sublime Text</a:t>
             </a:r>
           </a:p>
         </p:txBody>
